--- a/docs/pptx/LieGroups.pptx
+++ b/docs/pptx/LieGroups.pptx
@@ -4,9 +4,25 @@
   <p:sldMasterIdLst>
     <p:sldMasterId id="2147483648" r:id="rId1"/>
   </p:sldMasterIdLst>
+  <p:notesMasterIdLst>
+    <p:notesMasterId r:id="rId12"/>
+  </p:notesMasterIdLst>
   <p:sldIdLst>
     <p:sldId id="256" r:id="rId3"/>
     <p:sldId id="257" r:id="rId4"/>
+    <p:sldId id="267" r:id="rId5"/>
+    <p:sldId id="268" r:id="rId6"/>
+    <p:sldId id="269" r:id="rId7"/>
+    <p:sldId id="270" r:id="rId8"/>
+    <p:sldId id="271" r:id="rId9"/>
+    <p:sldId id="273" r:id="rId10"/>
+    <p:sldId id="274" r:id="rId11"/>
+    <p:sldId id="275" r:id="rId13"/>
+    <p:sldId id="262" r:id="rId14"/>
+    <p:sldId id="263" r:id="rId15"/>
+    <p:sldId id="264" r:id="rId16"/>
+    <p:sldId id="265" r:id="rId17"/>
+    <p:sldId id="266" r:id="rId18"/>
   </p:sldIdLst>
   <p:sldSz cx="12192000" cy="6858000"/>
   <p:notesSz cx="6858000" cy="9144000"/>
@@ -106,6 +122,441 @@
     </a:lvl9pPr>
   </p:defaultTextStyle>
 </p:presentation>
+</file>
+
+<file path=ppt/notesMasters/notesMaster1.xml><?xml version="1.0" encoding="utf-8"?>
+<p:notesMaster xmlns:a="http://schemas.openxmlformats.org/drawingml/2006/main" xmlns:r="http://schemas.openxmlformats.org/officeDocument/2006/relationships" xmlns:p="http://schemas.openxmlformats.org/presentationml/2006/main">
+  <p:cSld>
+    <p:bg>
+      <p:bgRef idx="1001">
+        <a:schemeClr val="bg1"/>
+      </p:bgRef>
+    </p:bg>
+    <p:spTree>
+      <p:nvGrpSpPr>
+        <p:cNvPr id="1" name=""/>
+        <p:cNvGrpSpPr/>
+        <p:nvPr/>
+      </p:nvGrpSpPr>
+      <p:grpSpPr>
+        <a:xfrm>
+          <a:off x="0" y="0"/>
+          <a:ext cx="0" cy="0"/>
+          <a:chOff x="0" y="0"/>
+          <a:chExt cx="0" cy="0"/>
+        </a:xfrm>
+      </p:grpSpPr>
+      <p:sp>
+        <p:nvSpPr>
+          <p:cNvPr id="2" name="页眉占位符 1"/>
+          <p:cNvSpPr>
+            <a:spLocks noGrp="1"/>
+          </p:cNvSpPr>
+          <p:nvPr>
+            <p:ph type="hdr" sz="quarter"/>
+          </p:nvPr>
+        </p:nvSpPr>
+        <p:spPr>
+          <a:xfrm>
+            <a:off x="0" y="0"/>
+            <a:ext cx="2971800" cy="458788"/>
+          </a:xfrm>
+          <a:prstGeom prst="rect">
+            <a:avLst/>
+          </a:prstGeom>
+        </p:spPr>
+        <p:txBody>
+          <a:bodyPr vert="horz" lIns="91440" tIns="45720" rIns="91440" bIns="45720" rtlCol="0"/>
+          <a:lstStyle>
+            <a:lvl1pPr algn="l">
+              <a:defRPr sz="1200"/>
+            </a:lvl1pPr>
+          </a:lstStyle>
+          <a:p>
+            <a:endParaRPr lang="zh-CN" altLang="en-US"/>
+          </a:p>
+        </p:txBody>
+      </p:sp>
+      <p:sp>
+        <p:nvSpPr>
+          <p:cNvPr id="3" name="日期占位符 2"/>
+          <p:cNvSpPr>
+            <a:spLocks noGrp="1"/>
+          </p:cNvSpPr>
+          <p:nvPr>
+            <p:ph type="dt" idx="1"/>
+          </p:nvPr>
+        </p:nvSpPr>
+        <p:spPr>
+          <a:xfrm>
+            <a:off x="3884613" y="0"/>
+            <a:ext cx="2971800" cy="458788"/>
+          </a:xfrm>
+          <a:prstGeom prst="rect">
+            <a:avLst/>
+          </a:prstGeom>
+        </p:spPr>
+        <p:txBody>
+          <a:bodyPr vert="horz" lIns="91440" tIns="45720" rIns="91440" bIns="45720" rtlCol="0"/>
+          <a:lstStyle>
+            <a:lvl1pPr algn="r">
+              <a:defRPr sz="1200"/>
+            </a:lvl1pPr>
+          </a:lstStyle>
+          <a:p>
+            <a:fld id="{D2A48B96-639E-45A3-A0BA-2464DFDB1FAA}" type="datetimeFigureOut">
+              <a:rPr lang="zh-CN" altLang="en-US" smtClean="0"/>
+            </a:fld>
+            <a:endParaRPr lang="zh-CN" altLang="en-US"/>
+          </a:p>
+        </p:txBody>
+      </p:sp>
+      <p:sp>
+        <p:nvSpPr>
+          <p:cNvPr id="4" name="幻灯片图像占位符 3"/>
+          <p:cNvSpPr>
+            <a:spLocks noGrp="1" noRot="1" noChangeAspect="1"/>
+          </p:cNvSpPr>
+          <p:nvPr>
+            <p:ph type="sldImg" idx="2"/>
+          </p:nvPr>
+        </p:nvSpPr>
+        <p:spPr>
+          <a:xfrm>
+            <a:off x="685800" y="1143000"/>
+            <a:ext cx="5486400" cy="3086100"/>
+          </a:xfrm>
+          <a:prstGeom prst="rect">
+            <a:avLst/>
+          </a:prstGeom>
+          <a:noFill/>
+          <a:ln w="12700">
+            <a:solidFill>
+              <a:prstClr val="black"/>
+            </a:solidFill>
+          </a:ln>
+        </p:spPr>
+        <p:txBody>
+          <a:bodyPr vert="horz" lIns="91440" tIns="45720" rIns="91440" bIns="45720" rtlCol="0" anchor="ctr"/>
+          <a:lstStyle/>
+          <a:p>
+            <a:endParaRPr lang="zh-CN" altLang="en-US"/>
+          </a:p>
+        </p:txBody>
+      </p:sp>
+      <p:sp>
+        <p:nvSpPr>
+          <p:cNvPr id="5" name="备注占位符 4"/>
+          <p:cNvSpPr>
+            <a:spLocks noGrp="1"/>
+          </p:cNvSpPr>
+          <p:nvPr>
+            <p:ph type="body" sz="quarter" idx="3"/>
+          </p:nvPr>
+        </p:nvSpPr>
+        <p:spPr>
+          <a:xfrm>
+            <a:off x="685800" y="4400550"/>
+            <a:ext cx="5486400" cy="3600450"/>
+          </a:xfrm>
+          <a:prstGeom prst="rect">
+            <a:avLst/>
+          </a:prstGeom>
+        </p:spPr>
+        <p:txBody>
+          <a:bodyPr vert="horz" lIns="91440" tIns="45720" rIns="91440" bIns="45720" rtlCol="0"/>
+          <a:lstStyle/>
+          <a:p>
+            <a:pPr lvl="0"/>
+            <a:r>
+              <a:rPr lang="zh-CN" altLang="en-US" smtClean="0"/>
+              <a:t>单击此处编辑母版文本样式</a:t>
+            </a:r>
+            <a:endParaRPr lang="zh-CN" altLang="en-US" smtClean="0"/>
+          </a:p>
+          <a:p>
+            <a:pPr lvl="1"/>
+            <a:r>
+              <a:rPr lang="zh-CN" altLang="en-US" smtClean="0"/>
+              <a:t>第二级</a:t>
+            </a:r>
+            <a:endParaRPr lang="zh-CN" altLang="en-US" smtClean="0"/>
+          </a:p>
+          <a:p>
+            <a:pPr lvl="2"/>
+            <a:r>
+              <a:rPr lang="zh-CN" altLang="en-US" smtClean="0"/>
+              <a:t>第三级</a:t>
+            </a:r>
+            <a:endParaRPr lang="zh-CN" altLang="en-US" smtClean="0"/>
+          </a:p>
+          <a:p>
+            <a:pPr lvl="3"/>
+            <a:r>
+              <a:rPr lang="zh-CN" altLang="en-US" smtClean="0"/>
+              <a:t>第四级</a:t>
+            </a:r>
+            <a:endParaRPr lang="zh-CN" altLang="en-US" smtClean="0"/>
+          </a:p>
+          <a:p>
+            <a:pPr lvl="4"/>
+            <a:r>
+              <a:rPr lang="zh-CN" altLang="en-US" smtClean="0"/>
+              <a:t>第五级</a:t>
+            </a:r>
+            <a:endParaRPr lang="zh-CN" altLang="en-US"/>
+          </a:p>
+        </p:txBody>
+      </p:sp>
+      <p:sp>
+        <p:nvSpPr>
+          <p:cNvPr id="6" name="页脚占位符 5"/>
+          <p:cNvSpPr>
+            <a:spLocks noGrp="1"/>
+          </p:cNvSpPr>
+          <p:nvPr>
+            <p:ph type="ftr" sz="quarter" idx="4"/>
+          </p:nvPr>
+        </p:nvSpPr>
+        <p:spPr>
+          <a:xfrm>
+            <a:off x="0" y="8685213"/>
+            <a:ext cx="2971800" cy="458787"/>
+          </a:xfrm>
+          <a:prstGeom prst="rect">
+            <a:avLst/>
+          </a:prstGeom>
+        </p:spPr>
+        <p:txBody>
+          <a:bodyPr vert="horz" lIns="91440" tIns="45720" rIns="91440" bIns="45720" rtlCol="0" anchor="b"/>
+          <a:lstStyle>
+            <a:lvl1pPr algn="l">
+              <a:defRPr sz="1200"/>
+            </a:lvl1pPr>
+          </a:lstStyle>
+          <a:p>
+            <a:endParaRPr lang="zh-CN" altLang="en-US"/>
+          </a:p>
+        </p:txBody>
+      </p:sp>
+      <p:sp>
+        <p:nvSpPr>
+          <p:cNvPr id="7" name="灯片编号占位符 6"/>
+          <p:cNvSpPr>
+            <a:spLocks noGrp="1"/>
+          </p:cNvSpPr>
+          <p:nvPr>
+            <p:ph type="sldNum" sz="quarter" idx="5"/>
+          </p:nvPr>
+        </p:nvSpPr>
+        <p:spPr>
+          <a:xfrm>
+            <a:off x="3884613" y="8685213"/>
+            <a:ext cx="2971800" cy="458787"/>
+          </a:xfrm>
+          <a:prstGeom prst="rect">
+            <a:avLst/>
+          </a:prstGeom>
+        </p:spPr>
+        <p:txBody>
+          <a:bodyPr vert="horz" lIns="91440" tIns="45720" rIns="91440" bIns="45720" rtlCol="0" anchor="b"/>
+          <a:lstStyle>
+            <a:lvl1pPr algn="r">
+              <a:defRPr sz="1200"/>
+            </a:lvl1pPr>
+          </a:lstStyle>
+          <a:p>
+            <a:fld id="{A6837353-30EB-4A48-80EB-173D804AEFBD}" type="slidenum">
+              <a:rPr lang="zh-CN" altLang="en-US" smtClean="0"/>
+            </a:fld>
+            <a:endParaRPr lang="zh-CN" altLang="en-US"/>
+          </a:p>
+        </p:txBody>
+      </p:sp>
+    </p:spTree>
+  </p:cSld>
+  <p:clrMap bg1="lt1" tx1="dk1" bg2="lt2" tx2="dk2" accent1="accent1" accent2="accent2" accent3="accent3" accent4="accent4" accent5="accent5" accent6="accent6" hlink="hlink" folHlink="folHlink"/>
+  <p:notesStyle>
+    <a:lvl1pPr marL="0" algn="l" defTabSz="914400" rtl="0" eaLnBrk="1" latinLnBrk="0" hangingPunct="1">
+      <a:defRPr sz="1200" kern="1200">
+        <a:solidFill>
+          <a:schemeClr val="tx1"/>
+        </a:solidFill>
+        <a:latin typeface="+mn-lt"/>
+        <a:ea typeface="+mn-ea"/>
+        <a:cs typeface="+mn-cs"/>
+      </a:defRPr>
+    </a:lvl1pPr>
+    <a:lvl2pPr marL="457200" algn="l" defTabSz="914400" rtl="0" eaLnBrk="1" latinLnBrk="0" hangingPunct="1">
+      <a:defRPr sz="1200" kern="1200">
+        <a:solidFill>
+          <a:schemeClr val="tx1"/>
+        </a:solidFill>
+        <a:latin typeface="+mn-lt"/>
+        <a:ea typeface="+mn-ea"/>
+        <a:cs typeface="+mn-cs"/>
+      </a:defRPr>
+    </a:lvl2pPr>
+    <a:lvl3pPr marL="914400" algn="l" defTabSz="914400" rtl="0" eaLnBrk="1" latinLnBrk="0" hangingPunct="1">
+      <a:defRPr sz="1200" kern="1200">
+        <a:solidFill>
+          <a:schemeClr val="tx1"/>
+        </a:solidFill>
+        <a:latin typeface="+mn-lt"/>
+        <a:ea typeface="+mn-ea"/>
+        <a:cs typeface="+mn-cs"/>
+      </a:defRPr>
+    </a:lvl3pPr>
+    <a:lvl4pPr marL="1371600" algn="l" defTabSz="914400" rtl="0" eaLnBrk="1" latinLnBrk="0" hangingPunct="1">
+      <a:defRPr sz="1200" kern="1200">
+        <a:solidFill>
+          <a:schemeClr val="tx1"/>
+        </a:solidFill>
+        <a:latin typeface="+mn-lt"/>
+        <a:ea typeface="+mn-ea"/>
+        <a:cs typeface="+mn-cs"/>
+      </a:defRPr>
+    </a:lvl4pPr>
+    <a:lvl5pPr marL="1828800" algn="l" defTabSz="914400" rtl="0" eaLnBrk="1" latinLnBrk="0" hangingPunct="1">
+      <a:defRPr sz="1200" kern="1200">
+        <a:solidFill>
+          <a:schemeClr val="tx1"/>
+        </a:solidFill>
+        <a:latin typeface="+mn-lt"/>
+        <a:ea typeface="+mn-ea"/>
+        <a:cs typeface="+mn-cs"/>
+      </a:defRPr>
+    </a:lvl5pPr>
+    <a:lvl6pPr marL="2286000" algn="l" defTabSz="914400" rtl="0" eaLnBrk="1" latinLnBrk="0" hangingPunct="1">
+      <a:defRPr sz="1200" kern="1200">
+        <a:solidFill>
+          <a:schemeClr val="tx1"/>
+        </a:solidFill>
+        <a:latin typeface="+mn-lt"/>
+        <a:ea typeface="+mn-ea"/>
+        <a:cs typeface="+mn-cs"/>
+      </a:defRPr>
+    </a:lvl6pPr>
+    <a:lvl7pPr marL="2743200" algn="l" defTabSz="914400" rtl="0" eaLnBrk="1" latinLnBrk="0" hangingPunct="1">
+      <a:defRPr sz="1200" kern="1200">
+        <a:solidFill>
+          <a:schemeClr val="tx1"/>
+        </a:solidFill>
+        <a:latin typeface="+mn-lt"/>
+        <a:ea typeface="+mn-ea"/>
+        <a:cs typeface="+mn-cs"/>
+      </a:defRPr>
+    </a:lvl7pPr>
+    <a:lvl8pPr marL="3200400" algn="l" defTabSz="914400" rtl="0" eaLnBrk="1" latinLnBrk="0" hangingPunct="1">
+      <a:defRPr sz="1200" kern="1200">
+        <a:solidFill>
+          <a:schemeClr val="tx1"/>
+        </a:solidFill>
+        <a:latin typeface="+mn-lt"/>
+        <a:ea typeface="+mn-ea"/>
+        <a:cs typeface="+mn-cs"/>
+      </a:defRPr>
+    </a:lvl8pPr>
+    <a:lvl9pPr marL="3657600" algn="l" defTabSz="914400" rtl="0" eaLnBrk="1" latinLnBrk="0" hangingPunct="1">
+      <a:defRPr sz="1200" kern="1200">
+        <a:solidFill>
+          <a:schemeClr val="tx1"/>
+        </a:solidFill>
+        <a:latin typeface="+mn-lt"/>
+        <a:ea typeface="+mn-ea"/>
+        <a:cs typeface="+mn-cs"/>
+      </a:defRPr>
+    </a:lvl9pPr>
+  </p:notesStyle>
+</p:notesMaster>
+</file>
+
+<file path=ppt/notesSlides/notesSlide1.xml><?xml version="1.0" encoding="utf-8"?>
+<p:notes xmlns:a="http://schemas.openxmlformats.org/drawingml/2006/main" xmlns:r="http://schemas.openxmlformats.org/officeDocument/2006/relationships" xmlns:p="http://schemas.openxmlformats.org/presentationml/2006/main">
+  <p:cSld>
+    <p:spTree>
+      <p:nvGrpSpPr>
+        <p:cNvPr id="1" name=""/>
+        <p:cNvGrpSpPr/>
+        <p:nvPr/>
+      </p:nvGrpSpPr>
+      <p:grpSpPr/>
+      <p:sp>
+        <p:nvSpPr>
+          <p:cNvPr id="2" name="幻灯片图像占位符 1"/>
+          <p:cNvSpPr/>
+          <p:nvPr>
+            <p:ph type="sldImg" idx="2"/>
+          </p:nvPr>
+        </p:nvSpPr>
+        <p:spPr/>
+      </p:sp>
+      <p:sp>
+        <p:nvSpPr>
+          <p:cNvPr id="3" name="文本占位符 2"/>
+          <p:cNvSpPr/>
+          <p:nvPr>
+            <p:ph type="body" idx="3"/>
+          </p:nvPr>
+        </p:nvSpPr>
+        <p:spPr/>
+        <p:txBody>
+          <a:bodyPr/>
+          <a:p>
+            <a:endParaRPr lang="zh-CN" altLang="en-US"/>
+          </a:p>
+        </p:txBody>
+      </p:sp>
+    </p:spTree>
+  </p:cSld>
+  <p:clrMapOvr>
+    <a:masterClrMapping/>
+  </p:clrMapOvr>
+</p:notes>
+</file>
+
+<file path=ppt/notesSlides/notesSlide2.xml><?xml version="1.0" encoding="utf-8"?>
+<p:notes xmlns:a="http://schemas.openxmlformats.org/drawingml/2006/main" xmlns:r="http://schemas.openxmlformats.org/officeDocument/2006/relationships" xmlns:p="http://schemas.openxmlformats.org/presentationml/2006/main">
+  <p:cSld>
+    <p:spTree>
+      <p:nvGrpSpPr>
+        <p:cNvPr id="1" name=""/>
+        <p:cNvGrpSpPr/>
+        <p:nvPr/>
+      </p:nvGrpSpPr>
+      <p:grpSpPr/>
+      <p:sp>
+        <p:nvSpPr>
+          <p:cNvPr id="2" name="幻灯片图像占位符 1"/>
+          <p:cNvSpPr/>
+          <p:nvPr>
+            <p:ph type="sldImg" idx="2"/>
+          </p:nvPr>
+        </p:nvSpPr>
+        <p:spPr/>
+      </p:sp>
+      <p:sp>
+        <p:nvSpPr>
+          <p:cNvPr id="3" name="文本占位符 2"/>
+          <p:cNvSpPr/>
+          <p:nvPr>
+            <p:ph type="body" idx="3"/>
+          </p:nvPr>
+        </p:nvSpPr>
+        <p:spPr/>
+        <p:txBody>
+          <a:bodyPr/>
+          <a:p>
+            <a:endParaRPr lang="zh-CN" altLang="en-US"/>
+          </a:p>
+        </p:txBody>
+      </p:sp>
+    </p:spTree>
+  </p:cSld>
+  <p:clrMapOvr>
+    <a:masterClrMapping/>
+  </p:clrMapOvr>
+</p:notes>
 </file>
 
 <file path=ppt/slideLayouts/slideLayout1.xml><?xml version="1.0" encoding="utf-8"?>
@@ -2984,7 +3435,7 @@
 </p:sld>
 </file>
 
-<file path=ppt/slides/slide2.xml><?xml version="1.0" encoding="utf-8"?>
+<file path=ppt/slides/slide10.xml><?xml version="1.0" encoding="utf-8"?>
 <p:sld xmlns:a="http://schemas.openxmlformats.org/drawingml/2006/main" xmlns:r="http://schemas.openxmlformats.org/officeDocument/2006/relationships" xmlns:p="http://schemas.openxmlformats.org/presentationml/2006/main">
   <p:cSld>
     <p:spTree>
@@ -3016,31 +3467,13 @@
                   <a:srgbClr val="FF0000"/>
                 </a:solidFill>
               </a:rPr>
-              <a:t>Lie Groups</a:t>
+              <a:t>Rigid Body Transformations</a:t>
             </a:r>
             <a:endParaRPr lang="en-US" altLang="zh-CN">
               <a:solidFill>
                 <a:srgbClr val="FF0000"/>
               </a:solidFill>
             </a:endParaRPr>
-          </a:p>
-        </p:txBody>
-      </p:sp>
-      <p:sp>
-        <p:nvSpPr>
-          <p:cNvPr id="3" name="内容占位符 2"/>
-          <p:cNvSpPr>
-            <a:spLocks noGrp="1"/>
-          </p:cNvSpPr>
-          <p:nvPr>
-            <p:ph idx="1"/>
-          </p:nvPr>
-        </p:nvSpPr>
-        <p:spPr/>
-        <p:txBody>
-          <a:bodyPr/>
-          <a:p>
-            <a:endParaRPr lang="zh-CN" altLang="en-US"/>
           </a:p>
         </p:txBody>
       </p:sp>
@@ -3080,6 +3513,1778 @@
           </a:fontRef>
         </p:style>
       </p:cxnSp>
+      <p:sp>
+        <p:nvSpPr>
+          <p:cNvPr id="6" name="文本框 5"/>
+          <p:cNvSpPr txBox="1"/>
+          <p:nvPr/>
+        </p:nvSpPr>
+        <p:spPr>
+          <a:xfrm>
+            <a:off x="838200" y="1562735"/>
+            <a:ext cx="5677535" cy="368300"/>
+          </a:xfrm>
+          <a:prstGeom prst="rect">
+            <a:avLst/>
+          </a:prstGeom>
+          <a:noFill/>
+        </p:spPr>
+        <p:txBody>
+          <a:bodyPr wrap="square" rtlCol="0" anchor="t">
+            <a:spAutoFit/>
+          </a:bodyPr>
+          <a:p>
+            <a:r>
+              <a:rPr lang="en-US" altLang="zh-CN"/>
+              <a:t>Pixel Coordinates</a:t>
+            </a:r>
+            <a:endParaRPr lang="en-US" altLang="zh-CN"/>
+          </a:p>
+        </p:txBody>
+      </p:sp>
+      <p:pic>
+        <p:nvPicPr>
+          <p:cNvPr id="5" name="内容占位符 4"/>
+          <p:cNvPicPr>
+            <a:picLocks noChangeAspect="1"/>
+          </p:cNvPicPr>
+          <p:nvPr>
+            <p:ph idx="1"/>
+          </p:nvPr>
+        </p:nvPicPr>
+        <p:blipFill>
+          <a:blip r:embed="rId1"/>
+          <a:stretch>
+            <a:fillRect/>
+          </a:stretch>
+        </p:blipFill>
+        <p:spPr>
+          <a:xfrm>
+            <a:off x="2708910" y="1931035"/>
+            <a:ext cx="6774815" cy="4351655"/>
+          </a:xfrm>
+          <a:prstGeom prst="rect">
+            <a:avLst/>
+          </a:prstGeom>
+        </p:spPr>
+      </p:pic>
+      <p:sp>
+        <p:nvSpPr>
+          <p:cNvPr id="7" name="文本框 6">
+            <a:hlinkClick r:id="rId2" tooltip="" action="ppaction://hlinkfile"/>
+          </p:cNvPr>
+          <p:cNvSpPr txBox="1"/>
+          <p:nvPr/>
+        </p:nvSpPr>
+        <p:spPr>
+          <a:xfrm>
+            <a:off x="362585" y="6374130"/>
+            <a:ext cx="14419580" cy="245110"/>
+          </a:xfrm>
+          <a:prstGeom prst="rect">
+            <a:avLst/>
+          </a:prstGeom>
+          <a:noFill/>
+        </p:spPr>
+        <p:txBody>
+          <a:bodyPr wrap="square" rtlCol="0" anchor="t">
+            <a:spAutoFit/>
+          </a:bodyPr>
+          <a:p>
+            <a:r>
+              <a:rPr lang="zh-CN" altLang="en-US" sz="1000">
+                <a:solidFill>
+                  <a:srgbClr val="FF0000"/>
+                </a:solidFill>
+              </a:rPr>
+              <a:t>https://www.uio.no/studier/emner/matnat/ifi/nedlagte</a:t>
+            </a:r>
+            <a:r>
+              <a:rPr lang="en-US" altLang="zh-CN" sz="1000">
+                <a:solidFill>
+                  <a:srgbClr val="FF0000"/>
+                </a:solidFill>
+              </a:rPr>
+              <a:t>-</a:t>
+            </a:r>
+            <a:r>
+              <a:rPr lang="zh-CN" altLang="en-US" sz="1000">
+                <a:solidFill>
+                  <a:srgbClr val="FF0000"/>
+                </a:solidFill>
+              </a:rPr>
+              <a:t>emner/INF3320/h03/undervisningsmateriale/lecture3.pdf</a:t>
+            </a:r>
+            <a:endParaRPr lang="zh-CN" altLang="en-US" sz="1000">
+              <a:solidFill>
+                <a:srgbClr val="FF0000"/>
+              </a:solidFill>
+            </a:endParaRPr>
+          </a:p>
+        </p:txBody>
+      </p:sp>
+    </p:spTree>
+  </p:cSld>
+  <p:clrMapOvr>
+    <a:masterClrMapping/>
+  </p:clrMapOvr>
+</p:sld>
+</file>
+
+<file path=ppt/slides/slide11.xml><?xml version="1.0" encoding="utf-8"?>
+<p:sld xmlns:a="http://schemas.openxmlformats.org/drawingml/2006/main" xmlns:r="http://schemas.openxmlformats.org/officeDocument/2006/relationships" xmlns:p="http://schemas.openxmlformats.org/presentationml/2006/main">
+  <p:cSld>
+    <p:spTree>
+      <p:nvGrpSpPr>
+        <p:cNvPr id="1" name=""/>
+        <p:cNvGrpSpPr/>
+        <p:nvPr/>
+      </p:nvGrpSpPr>
+      <p:grpSpPr/>
+      <p:sp>
+        <p:nvSpPr>
+          <p:cNvPr id="2" name="标题 1"/>
+          <p:cNvSpPr>
+            <a:spLocks noGrp="1"/>
+          </p:cNvSpPr>
+          <p:nvPr>
+            <p:ph type="title"/>
+          </p:nvPr>
+        </p:nvSpPr>
+        <p:spPr/>
+        <p:txBody>
+          <a:bodyPr>
+            <a:normAutofit/>
+          </a:bodyPr>
+          <a:p>
+            <a:r>
+              <a:rPr lang="en-US" altLang="zh-CN">
+                <a:solidFill>
+                  <a:srgbClr val="FF0000"/>
+                </a:solidFill>
+              </a:rPr>
+              <a:t>Lie Groups</a:t>
+            </a:r>
+            <a:endParaRPr lang="en-US" altLang="zh-CN">
+              <a:solidFill>
+                <a:srgbClr val="FF0000"/>
+              </a:solidFill>
+            </a:endParaRPr>
+          </a:p>
+        </p:txBody>
+      </p:sp>
+      <p:cxnSp>
+        <p:nvCxnSpPr>
+          <p:cNvPr id="4" name="直接连接符 3"/>
+          <p:cNvCxnSpPr/>
+          <p:nvPr/>
+        </p:nvCxnSpPr>
+        <p:spPr>
+          <a:xfrm>
+            <a:off x="819785" y="1450340"/>
+            <a:ext cx="10552430" cy="20955"/>
+          </a:xfrm>
+          <a:prstGeom prst="line">
+            <a:avLst/>
+          </a:prstGeom>
+          <a:ln w="47625" cmpd="sng">
+            <a:solidFill>
+              <a:schemeClr val="accent1"/>
+            </a:solidFill>
+            <a:prstDash val="solid"/>
+          </a:ln>
+        </p:spPr>
+        <p:style>
+          <a:lnRef idx="1">
+            <a:schemeClr val="accent1"/>
+          </a:lnRef>
+          <a:fillRef idx="0">
+            <a:schemeClr val="accent1"/>
+          </a:fillRef>
+          <a:effectRef idx="0">
+            <a:schemeClr val="accent1"/>
+          </a:effectRef>
+          <a:fontRef idx="minor">
+            <a:schemeClr val="tx1"/>
+          </a:fontRef>
+        </p:style>
+      </p:cxnSp>
+      <p:pic>
+        <p:nvPicPr>
+          <p:cNvPr id="8" name="图片 7"/>
+          <p:cNvPicPr>
+            <a:picLocks noChangeAspect="1"/>
+          </p:cNvPicPr>
+          <p:nvPr/>
+        </p:nvPicPr>
+        <p:blipFill>
+          <a:blip r:embed="rId1"/>
+          <a:stretch>
+            <a:fillRect/>
+          </a:stretch>
+        </p:blipFill>
+        <p:spPr>
+          <a:xfrm>
+            <a:off x="819785" y="2185670"/>
+            <a:ext cx="8382000" cy="1057275"/>
+          </a:xfrm>
+          <a:prstGeom prst="rect">
+            <a:avLst/>
+          </a:prstGeom>
+        </p:spPr>
+      </p:pic>
+      <p:pic>
+        <p:nvPicPr>
+          <p:cNvPr id="9" name="图片 8"/>
+          <p:cNvPicPr>
+            <a:picLocks noChangeAspect="1"/>
+          </p:cNvPicPr>
+          <p:nvPr/>
+        </p:nvPicPr>
+        <p:blipFill>
+          <a:blip r:embed="rId2"/>
+          <a:stretch>
+            <a:fillRect/>
+          </a:stretch>
+        </p:blipFill>
+        <p:spPr>
+          <a:xfrm>
+            <a:off x="1188085" y="3651885"/>
+            <a:ext cx="9816465" cy="1518920"/>
+          </a:xfrm>
+          <a:prstGeom prst="rect">
+            <a:avLst/>
+          </a:prstGeom>
+        </p:spPr>
+      </p:pic>
+    </p:spTree>
+  </p:cSld>
+  <p:clrMapOvr>
+    <a:masterClrMapping/>
+  </p:clrMapOvr>
+</p:sld>
+</file>
+
+<file path=ppt/slides/slide12.xml><?xml version="1.0" encoding="utf-8"?>
+<p:sld xmlns:a="http://schemas.openxmlformats.org/drawingml/2006/main" xmlns:r="http://schemas.openxmlformats.org/officeDocument/2006/relationships" xmlns:p="http://schemas.openxmlformats.org/presentationml/2006/main">
+  <p:cSld>
+    <p:spTree>
+      <p:nvGrpSpPr>
+        <p:cNvPr id="1" name=""/>
+        <p:cNvGrpSpPr/>
+        <p:nvPr/>
+      </p:nvGrpSpPr>
+      <p:grpSpPr/>
+      <p:sp>
+        <p:nvSpPr>
+          <p:cNvPr id="2" name="标题 1"/>
+          <p:cNvSpPr>
+            <a:spLocks noGrp="1"/>
+          </p:cNvSpPr>
+          <p:nvPr>
+            <p:ph type="title"/>
+          </p:nvPr>
+        </p:nvSpPr>
+        <p:spPr/>
+        <p:txBody>
+          <a:bodyPr>
+            <a:normAutofit/>
+          </a:bodyPr>
+          <a:p>
+            <a:r>
+              <a:rPr lang="en-US" altLang="zh-CN">
+                <a:solidFill>
+                  <a:srgbClr val="FF0000"/>
+                </a:solidFill>
+              </a:rPr>
+              <a:t>Lie Groups</a:t>
+            </a:r>
+            <a:endParaRPr lang="en-US" altLang="zh-CN">
+              <a:solidFill>
+                <a:srgbClr val="FF0000"/>
+              </a:solidFill>
+            </a:endParaRPr>
+          </a:p>
+        </p:txBody>
+      </p:sp>
+      <p:sp>
+        <p:nvSpPr>
+          <p:cNvPr id="3" name="内容占位符 2"/>
+          <p:cNvSpPr>
+            <a:spLocks noGrp="1"/>
+          </p:cNvSpPr>
+          <p:nvPr>
+            <p:ph idx="1"/>
+          </p:nvPr>
+        </p:nvSpPr>
+        <p:spPr/>
+        <p:txBody>
+          <a:bodyPr/>
+          <a:p>
+            <a:endParaRPr lang="zh-CN" altLang="en-US"/>
+          </a:p>
+        </p:txBody>
+      </p:sp>
+      <p:cxnSp>
+        <p:nvCxnSpPr>
+          <p:cNvPr id="4" name="直接连接符 3"/>
+          <p:cNvCxnSpPr/>
+          <p:nvPr/>
+        </p:nvCxnSpPr>
+        <p:spPr>
+          <a:xfrm>
+            <a:off x="819785" y="1450340"/>
+            <a:ext cx="10552430" cy="20955"/>
+          </a:xfrm>
+          <a:prstGeom prst="line">
+            <a:avLst/>
+          </a:prstGeom>
+          <a:ln w="47625" cmpd="sng">
+            <a:solidFill>
+              <a:schemeClr val="accent1"/>
+            </a:solidFill>
+            <a:prstDash val="solid"/>
+          </a:ln>
+        </p:spPr>
+        <p:style>
+          <a:lnRef idx="1">
+            <a:schemeClr val="accent1"/>
+          </a:lnRef>
+          <a:fillRef idx="0">
+            <a:schemeClr val="accent1"/>
+          </a:fillRef>
+          <a:effectRef idx="0">
+            <a:schemeClr val="accent1"/>
+          </a:effectRef>
+          <a:fontRef idx="minor">
+            <a:schemeClr val="tx1"/>
+          </a:fontRef>
+        </p:style>
+      </p:cxnSp>
+    </p:spTree>
+  </p:cSld>
+  <p:clrMapOvr>
+    <a:masterClrMapping/>
+  </p:clrMapOvr>
+</p:sld>
+</file>
+
+<file path=ppt/slides/slide13.xml><?xml version="1.0" encoding="utf-8"?>
+<p:sld xmlns:a="http://schemas.openxmlformats.org/drawingml/2006/main" xmlns:r="http://schemas.openxmlformats.org/officeDocument/2006/relationships" xmlns:p="http://schemas.openxmlformats.org/presentationml/2006/main">
+  <p:cSld>
+    <p:spTree>
+      <p:nvGrpSpPr>
+        <p:cNvPr id="1" name=""/>
+        <p:cNvGrpSpPr/>
+        <p:nvPr/>
+      </p:nvGrpSpPr>
+      <p:grpSpPr/>
+      <p:sp>
+        <p:nvSpPr>
+          <p:cNvPr id="2" name="标题 1"/>
+          <p:cNvSpPr>
+            <a:spLocks noGrp="1"/>
+          </p:cNvSpPr>
+          <p:nvPr>
+            <p:ph type="title"/>
+          </p:nvPr>
+        </p:nvSpPr>
+        <p:spPr/>
+        <p:txBody>
+          <a:bodyPr>
+            <a:normAutofit/>
+          </a:bodyPr>
+          <a:p>
+            <a:r>
+              <a:rPr lang="en-US" altLang="zh-CN">
+                <a:solidFill>
+                  <a:srgbClr val="FF0000"/>
+                </a:solidFill>
+              </a:rPr>
+              <a:t>Lie Groups</a:t>
+            </a:r>
+            <a:endParaRPr lang="en-US" altLang="zh-CN">
+              <a:solidFill>
+                <a:srgbClr val="FF0000"/>
+              </a:solidFill>
+            </a:endParaRPr>
+          </a:p>
+        </p:txBody>
+      </p:sp>
+      <p:sp>
+        <p:nvSpPr>
+          <p:cNvPr id="3" name="内容占位符 2"/>
+          <p:cNvSpPr>
+            <a:spLocks noGrp="1"/>
+          </p:cNvSpPr>
+          <p:nvPr>
+            <p:ph idx="1"/>
+          </p:nvPr>
+        </p:nvSpPr>
+        <p:spPr/>
+        <p:txBody>
+          <a:bodyPr/>
+          <a:p>
+            <a:endParaRPr lang="zh-CN" altLang="en-US"/>
+          </a:p>
+        </p:txBody>
+      </p:sp>
+      <p:cxnSp>
+        <p:nvCxnSpPr>
+          <p:cNvPr id="4" name="直接连接符 3"/>
+          <p:cNvCxnSpPr/>
+          <p:nvPr/>
+        </p:nvCxnSpPr>
+        <p:spPr>
+          <a:xfrm>
+            <a:off x="819785" y="1450340"/>
+            <a:ext cx="10552430" cy="20955"/>
+          </a:xfrm>
+          <a:prstGeom prst="line">
+            <a:avLst/>
+          </a:prstGeom>
+          <a:ln w="47625" cmpd="sng">
+            <a:solidFill>
+              <a:schemeClr val="accent1"/>
+            </a:solidFill>
+            <a:prstDash val="solid"/>
+          </a:ln>
+        </p:spPr>
+        <p:style>
+          <a:lnRef idx="1">
+            <a:schemeClr val="accent1"/>
+          </a:lnRef>
+          <a:fillRef idx="0">
+            <a:schemeClr val="accent1"/>
+          </a:fillRef>
+          <a:effectRef idx="0">
+            <a:schemeClr val="accent1"/>
+          </a:effectRef>
+          <a:fontRef idx="minor">
+            <a:schemeClr val="tx1"/>
+          </a:fontRef>
+        </p:style>
+      </p:cxnSp>
+    </p:spTree>
+  </p:cSld>
+  <p:clrMapOvr>
+    <a:masterClrMapping/>
+  </p:clrMapOvr>
+</p:sld>
+</file>
+
+<file path=ppt/slides/slide14.xml><?xml version="1.0" encoding="utf-8"?>
+<p:sld xmlns:a="http://schemas.openxmlformats.org/drawingml/2006/main" xmlns:r="http://schemas.openxmlformats.org/officeDocument/2006/relationships" xmlns:p="http://schemas.openxmlformats.org/presentationml/2006/main">
+  <p:cSld>
+    <p:spTree>
+      <p:nvGrpSpPr>
+        <p:cNvPr id="1" name=""/>
+        <p:cNvGrpSpPr/>
+        <p:nvPr/>
+      </p:nvGrpSpPr>
+      <p:grpSpPr/>
+      <p:sp>
+        <p:nvSpPr>
+          <p:cNvPr id="2" name="标题 1"/>
+          <p:cNvSpPr>
+            <a:spLocks noGrp="1"/>
+          </p:cNvSpPr>
+          <p:nvPr>
+            <p:ph type="title"/>
+          </p:nvPr>
+        </p:nvSpPr>
+        <p:spPr/>
+        <p:txBody>
+          <a:bodyPr>
+            <a:normAutofit/>
+          </a:bodyPr>
+          <a:p>
+            <a:r>
+              <a:rPr lang="en-US" altLang="zh-CN">
+                <a:solidFill>
+                  <a:srgbClr val="FF0000"/>
+                </a:solidFill>
+              </a:rPr>
+              <a:t>Lie Groups</a:t>
+            </a:r>
+            <a:endParaRPr lang="en-US" altLang="zh-CN">
+              <a:solidFill>
+                <a:srgbClr val="FF0000"/>
+              </a:solidFill>
+            </a:endParaRPr>
+          </a:p>
+        </p:txBody>
+      </p:sp>
+      <p:sp>
+        <p:nvSpPr>
+          <p:cNvPr id="3" name="内容占位符 2"/>
+          <p:cNvSpPr>
+            <a:spLocks noGrp="1"/>
+          </p:cNvSpPr>
+          <p:nvPr>
+            <p:ph idx="1"/>
+          </p:nvPr>
+        </p:nvSpPr>
+        <p:spPr/>
+        <p:txBody>
+          <a:bodyPr/>
+          <a:p>
+            <a:endParaRPr lang="zh-CN" altLang="en-US"/>
+          </a:p>
+        </p:txBody>
+      </p:sp>
+      <p:cxnSp>
+        <p:nvCxnSpPr>
+          <p:cNvPr id="4" name="直接连接符 3"/>
+          <p:cNvCxnSpPr/>
+          <p:nvPr/>
+        </p:nvCxnSpPr>
+        <p:spPr>
+          <a:xfrm>
+            <a:off x="819785" y="1450340"/>
+            <a:ext cx="10552430" cy="20955"/>
+          </a:xfrm>
+          <a:prstGeom prst="line">
+            <a:avLst/>
+          </a:prstGeom>
+          <a:ln w="47625" cmpd="sng">
+            <a:solidFill>
+              <a:schemeClr val="accent1"/>
+            </a:solidFill>
+            <a:prstDash val="solid"/>
+          </a:ln>
+        </p:spPr>
+        <p:style>
+          <a:lnRef idx="1">
+            <a:schemeClr val="accent1"/>
+          </a:lnRef>
+          <a:fillRef idx="0">
+            <a:schemeClr val="accent1"/>
+          </a:fillRef>
+          <a:effectRef idx="0">
+            <a:schemeClr val="accent1"/>
+          </a:effectRef>
+          <a:fontRef idx="minor">
+            <a:schemeClr val="tx1"/>
+          </a:fontRef>
+        </p:style>
+      </p:cxnSp>
+    </p:spTree>
+  </p:cSld>
+  <p:clrMapOvr>
+    <a:masterClrMapping/>
+  </p:clrMapOvr>
+</p:sld>
+</file>
+
+<file path=ppt/slides/slide15.xml><?xml version="1.0" encoding="utf-8"?>
+<p:sld xmlns:a="http://schemas.openxmlformats.org/drawingml/2006/main" xmlns:r="http://schemas.openxmlformats.org/officeDocument/2006/relationships" xmlns:p="http://schemas.openxmlformats.org/presentationml/2006/main">
+  <p:cSld>
+    <p:spTree>
+      <p:nvGrpSpPr>
+        <p:cNvPr id="1" name=""/>
+        <p:cNvGrpSpPr/>
+        <p:nvPr/>
+      </p:nvGrpSpPr>
+      <p:grpSpPr/>
+      <p:sp>
+        <p:nvSpPr>
+          <p:cNvPr id="2" name="标题 1"/>
+          <p:cNvSpPr>
+            <a:spLocks noGrp="1"/>
+          </p:cNvSpPr>
+          <p:nvPr>
+            <p:ph type="title"/>
+          </p:nvPr>
+        </p:nvSpPr>
+        <p:spPr/>
+        <p:txBody>
+          <a:bodyPr>
+            <a:normAutofit/>
+          </a:bodyPr>
+          <a:p>
+            <a:r>
+              <a:rPr lang="en-US" altLang="zh-CN">
+                <a:solidFill>
+                  <a:srgbClr val="FF0000"/>
+                </a:solidFill>
+              </a:rPr>
+              <a:t>Lie Groups</a:t>
+            </a:r>
+            <a:endParaRPr lang="en-US" altLang="zh-CN">
+              <a:solidFill>
+                <a:srgbClr val="FF0000"/>
+              </a:solidFill>
+            </a:endParaRPr>
+          </a:p>
+        </p:txBody>
+      </p:sp>
+      <p:sp>
+        <p:nvSpPr>
+          <p:cNvPr id="3" name="内容占位符 2"/>
+          <p:cNvSpPr>
+            <a:spLocks noGrp="1"/>
+          </p:cNvSpPr>
+          <p:nvPr>
+            <p:ph idx="1"/>
+          </p:nvPr>
+        </p:nvSpPr>
+        <p:spPr/>
+        <p:txBody>
+          <a:bodyPr/>
+          <a:p>
+            <a:endParaRPr lang="zh-CN" altLang="en-US"/>
+          </a:p>
+        </p:txBody>
+      </p:sp>
+      <p:cxnSp>
+        <p:nvCxnSpPr>
+          <p:cNvPr id="4" name="直接连接符 3"/>
+          <p:cNvCxnSpPr/>
+          <p:nvPr/>
+        </p:nvCxnSpPr>
+        <p:spPr>
+          <a:xfrm>
+            <a:off x="819785" y="1450340"/>
+            <a:ext cx="10552430" cy="20955"/>
+          </a:xfrm>
+          <a:prstGeom prst="line">
+            <a:avLst/>
+          </a:prstGeom>
+          <a:ln w="47625" cmpd="sng">
+            <a:solidFill>
+              <a:schemeClr val="accent1"/>
+            </a:solidFill>
+            <a:prstDash val="solid"/>
+          </a:ln>
+        </p:spPr>
+        <p:style>
+          <a:lnRef idx="1">
+            <a:schemeClr val="accent1"/>
+          </a:lnRef>
+          <a:fillRef idx="0">
+            <a:schemeClr val="accent1"/>
+          </a:fillRef>
+          <a:effectRef idx="0">
+            <a:schemeClr val="accent1"/>
+          </a:effectRef>
+          <a:fontRef idx="minor">
+            <a:schemeClr val="tx1"/>
+          </a:fontRef>
+        </p:style>
+      </p:cxnSp>
+    </p:spTree>
+  </p:cSld>
+  <p:clrMapOvr>
+    <a:masterClrMapping/>
+  </p:clrMapOvr>
+</p:sld>
+</file>
+
+<file path=ppt/slides/slide2.xml><?xml version="1.0" encoding="utf-8"?>
+<p:sld xmlns:a="http://schemas.openxmlformats.org/drawingml/2006/main" xmlns:r="http://schemas.openxmlformats.org/officeDocument/2006/relationships" xmlns:p="http://schemas.openxmlformats.org/presentationml/2006/main">
+  <p:cSld>
+    <p:spTree>
+      <p:nvGrpSpPr>
+        <p:cNvPr id="1" name=""/>
+        <p:cNvGrpSpPr/>
+        <p:nvPr/>
+      </p:nvGrpSpPr>
+      <p:grpSpPr/>
+      <p:sp>
+        <p:nvSpPr>
+          <p:cNvPr id="2" name="标题 1"/>
+          <p:cNvSpPr>
+            <a:spLocks noGrp="1"/>
+          </p:cNvSpPr>
+          <p:nvPr>
+            <p:ph type="title"/>
+          </p:nvPr>
+        </p:nvSpPr>
+        <p:spPr/>
+        <p:txBody>
+          <a:bodyPr>
+            <a:normAutofit/>
+          </a:bodyPr>
+          <a:p>
+            <a:r>
+              <a:rPr lang="en-US" altLang="zh-CN">
+                <a:solidFill>
+                  <a:srgbClr val="FF0000"/>
+                </a:solidFill>
+              </a:rPr>
+              <a:t>Rigid Body Transformations</a:t>
+            </a:r>
+            <a:endParaRPr lang="en-US" altLang="zh-CN">
+              <a:solidFill>
+                <a:srgbClr val="FF0000"/>
+              </a:solidFill>
+            </a:endParaRPr>
+          </a:p>
+        </p:txBody>
+      </p:sp>
+      <p:cxnSp>
+        <p:nvCxnSpPr>
+          <p:cNvPr id="4" name="直接连接符 3"/>
+          <p:cNvCxnSpPr/>
+          <p:nvPr/>
+        </p:nvCxnSpPr>
+        <p:spPr>
+          <a:xfrm>
+            <a:off x="819785" y="1450340"/>
+            <a:ext cx="10552430" cy="20955"/>
+          </a:xfrm>
+          <a:prstGeom prst="line">
+            <a:avLst/>
+          </a:prstGeom>
+          <a:ln w="47625" cmpd="sng">
+            <a:solidFill>
+              <a:schemeClr val="accent1"/>
+            </a:solidFill>
+            <a:prstDash val="solid"/>
+          </a:ln>
+        </p:spPr>
+        <p:style>
+          <a:lnRef idx="1">
+            <a:schemeClr val="accent1"/>
+          </a:lnRef>
+          <a:fillRef idx="0">
+            <a:schemeClr val="accent1"/>
+          </a:fillRef>
+          <a:effectRef idx="0">
+            <a:schemeClr val="accent1"/>
+          </a:effectRef>
+          <a:fontRef idx="minor">
+            <a:schemeClr val="tx1"/>
+          </a:fontRef>
+        </p:style>
+      </p:cxnSp>
+      <p:sp>
+        <p:nvSpPr>
+          <p:cNvPr id="5" name="文本框 4"/>
+          <p:cNvSpPr txBox="1"/>
+          <p:nvPr/>
+        </p:nvSpPr>
+        <p:spPr>
+          <a:xfrm>
+            <a:off x="819785" y="1691005"/>
+            <a:ext cx="7480935" cy="368300"/>
+          </a:xfrm>
+          <a:prstGeom prst="rect">
+            <a:avLst/>
+          </a:prstGeom>
+          <a:noFill/>
+        </p:spPr>
+        <p:txBody>
+          <a:bodyPr wrap="square" rtlCol="0" anchor="t">
+            <a:spAutoFit/>
+          </a:bodyPr>
+          <a:p>
+            <a:r>
+              <a:rPr lang="zh-CN" altLang="en-US"/>
+              <a:t>Cartesian coordinates, Points and Vectors</a:t>
+            </a:r>
+            <a:endParaRPr lang="zh-CN" altLang="en-US"/>
+          </a:p>
+        </p:txBody>
+      </p:sp>
+      <p:pic>
+        <p:nvPicPr>
+          <p:cNvPr id="6" name="图片 5"/>
+          <p:cNvPicPr>
+            <a:picLocks noChangeAspect="1"/>
+          </p:cNvPicPr>
+          <p:nvPr/>
+        </p:nvPicPr>
+        <p:blipFill>
+          <a:blip r:embed="rId1"/>
+          <a:stretch>
+            <a:fillRect/>
+          </a:stretch>
+        </p:blipFill>
+        <p:spPr>
+          <a:xfrm>
+            <a:off x="1725295" y="2152650"/>
+            <a:ext cx="8181975" cy="4391025"/>
+          </a:xfrm>
+          <a:prstGeom prst="rect">
+            <a:avLst/>
+          </a:prstGeom>
+        </p:spPr>
+      </p:pic>
+    </p:spTree>
+  </p:cSld>
+  <p:clrMapOvr>
+    <a:masterClrMapping/>
+  </p:clrMapOvr>
+</p:sld>
+</file>
+
+<file path=ppt/slides/slide3.xml><?xml version="1.0" encoding="utf-8"?>
+<p:sld xmlns:a="http://schemas.openxmlformats.org/drawingml/2006/main" xmlns:r="http://schemas.openxmlformats.org/officeDocument/2006/relationships" xmlns:p="http://schemas.openxmlformats.org/presentationml/2006/main">
+  <p:cSld>
+    <p:spTree>
+      <p:nvGrpSpPr>
+        <p:cNvPr id="1" name=""/>
+        <p:cNvGrpSpPr/>
+        <p:nvPr/>
+      </p:nvGrpSpPr>
+      <p:grpSpPr/>
+      <p:sp>
+        <p:nvSpPr>
+          <p:cNvPr id="2" name="标题 1"/>
+          <p:cNvSpPr>
+            <a:spLocks noGrp="1"/>
+          </p:cNvSpPr>
+          <p:nvPr>
+            <p:ph type="title"/>
+          </p:nvPr>
+        </p:nvSpPr>
+        <p:spPr/>
+        <p:txBody>
+          <a:bodyPr>
+            <a:normAutofit/>
+          </a:bodyPr>
+          <a:p>
+            <a:r>
+              <a:rPr lang="en-US" altLang="zh-CN">
+                <a:solidFill>
+                  <a:srgbClr val="FF0000"/>
+                </a:solidFill>
+              </a:rPr>
+              <a:t>Rigid Body Transformations</a:t>
+            </a:r>
+            <a:endParaRPr lang="en-US" altLang="zh-CN">
+              <a:solidFill>
+                <a:srgbClr val="FF0000"/>
+              </a:solidFill>
+            </a:endParaRPr>
+          </a:p>
+        </p:txBody>
+      </p:sp>
+      <p:cxnSp>
+        <p:nvCxnSpPr>
+          <p:cNvPr id="4" name="直接连接符 3"/>
+          <p:cNvCxnSpPr/>
+          <p:nvPr/>
+        </p:nvCxnSpPr>
+        <p:spPr>
+          <a:xfrm>
+            <a:off x="819785" y="1450340"/>
+            <a:ext cx="10552430" cy="20955"/>
+          </a:xfrm>
+          <a:prstGeom prst="line">
+            <a:avLst/>
+          </a:prstGeom>
+          <a:ln w="47625" cmpd="sng">
+            <a:solidFill>
+              <a:schemeClr val="accent1"/>
+            </a:solidFill>
+            <a:prstDash val="solid"/>
+          </a:ln>
+        </p:spPr>
+        <p:style>
+          <a:lnRef idx="1">
+            <a:schemeClr val="accent1"/>
+          </a:lnRef>
+          <a:fillRef idx="0">
+            <a:schemeClr val="accent1"/>
+          </a:fillRef>
+          <a:effectRef idx="0">
+            <a:schemeClr val="accent1"/>
+          </a:effectRef>
+          <a:fontRef idx="minor">
+            <a:schemeClr val="tx1"/>
+          </a:fontRef>
+        </p:style>
+      </p:cxnSp>
+      <p:sp>
+        <p:nvSpPr>
+          <p:cNvPr id="5" name="文本框 4"/>
+          <p:cNvSpPr txBox="1"/>
+          <p:nvPr/>
+        </p:nvSpPr>
+        <p:spPr>
+          <a:xfrm>
+            <a:off x="819785" y="1691005"/>
+            <a:ext cx="7480935" cy="368300"/>
+          </a:xfrm>
+          <a:prstGeom prst="rect">
+            <a:avLst/>
+          </a:prstGeom>
+          <a:noFill/>
+        </p:spPr>
+        <p:txBody>
+          <a:bodyPr wrap="square" rtlCol="0" anchor="t">
+            <a:spAutoFit/>
+          </a:bodyPr>
+          <a:p>
+            <a:r>
+              <a:rPr lang="zh-CN" altLang="en-US"/>
+              <a:t>Cartesian coordinates, Points and Vectors</a:t>
+            </a:r>
+            <a:endParaRPr lang="zh-CN" altLang="en-US"/>
+          </a:p>
+        </p:txBody>
+      </p:sp>
+      <p:pic>
+        <p:nvPicPr>
+          <p:cNvPr id="3" name="图片 2"/>
+          <p:cNvPicPr>
+            <a:picLocks noChangeAspect="1"/>
+          </p:cNvPicPr>
+          <p:nvPr/>
+        </p:nvPicPr>
+        <p:blipFill>
+          <a:blip r:embed="rId1"/>
+          <a:stretch>
+            <a:fillRect/>
+          </a:stretch>
+        </p:blipFill>
+        <p:spPr>
+          <a:xfrm>
+            <a:off x="1986280" y="2142490"/>
+            <a:ext cx="8220075" cy="4286250"/>
+          </a:xfrm>
+          <a:prstGeom prst="rect">
+            <a:avLst/>
+          </a:prstGeom>
+        </p:spPr>
+      </p:pic>
+    </p:spTree>
+  </p:cSld>
+  <p:clrMapOvr>
+    <a:masterClrMapping/>
+  </p:clrMapOvr>
+</p:sld>
+</file>
+
+<file path=ppt/slides/slide4.xml><?xml version="1.0" encoding="utf-8"?>
+<p:sld xmlns:a="http://schemas.openxmlformats.org/drawingml/2006/main" xmlns:r="http://schemas.openxmlformats.org/officeDocument/2006/relationships" xmlns:p="http://schemas.openxmlformats.org/presentationml/2006/main">
+  <p:cSld>
+    <p:spTree>
+      <p:nvGrpSpPr>
+        <p:cNvPr id="1" name=""/>
+        <p:cNvGrpSpPr/>
+        <p:nvPr/>
+      </p:nvGrpSpPr>
+      <p:grpSpPr/>
+      <p:sp>
+        <p:nvSpPr>
+          <p:cNvPr id="2" name="标题 1"/>
+          <p:cNvSpPr>
+            <a:spLocks noGrp="1"/>
+          </p:cNvSpPr>
+          <p:nvPr>
+            <p:ph type="title"/>
+          </p:nvPr>
+        </p:nvSpPr>
+        <p:spPr/>
+        <p:txBody>
+          <a:bodyPr>
+            <a:normAutofit/>
+          </a:bodyPr>
+          <a:p>
+            <a:r>
+              <a:rPr lang="en-US" altLang="zh-CN">
+                <a:solidFill>
+                  <a:srgbClr val="FF0000"/>
+                </a:solidFill>
+              </a:rPr>
+              <a:t>Rigid Body Transformations</a:t>
+            </a:r>
+            <a:endParaRPr lang="en-US" altLang="zh-CN">
+              <a:solidFill>
+                <a:srgbClr val="FF0000"/>
+              </a:solidFill>
+            </a:endParaRPr>
+          </a:p>
+        </p:txBody>
+      </p:sp>
+      <p:cxnSp>
+        <p:nvCxnSpPr>
+          <p:cNvPr id="4" name="直接连接符 3"/>
+          <p:cNvCxnSpPr/>
+          <p:nvPr/>
+        </p:nvCxnSpPr>
+        <p:spPr>
+          <a:xfrm>
+            <a:off x="819785" y="1450340"/>
+            <a:ext cx="10552430" cy="20955"/>
+          </a:xfrm>
+          <a:prstGeom prst="line">
+            <a:avLst/>
+          </a:prstGeom>
+          <a:ln w="47625" cmpd="sng">
+            <a:solidFill>
+              <a:schemeClr val="accent1"/>
+            </a:solidFill>
+            <a:prstDash val="solid"/>
+          </a:ln>
+        </p:spPr>
+        <p:style>
+          <a:lnRef idx="1">
+            <a:schemeClr val="accent1"/>
+          </a:lnRef>
+          <a:fillRef idx="0">
+            <a:schemeClr val="accent1"/>
+          </a:fillRef>
+          <a:effectRef idx="0">
+            <a:schemeClr val="accent1"/>
+          </a:effectRef>
+          <a:fontRef idx="minor">
+            <a:schemeClr val="tx1"/>
+          </a:fontRef>
+        </p:style>
+      </p:cxnSp>
+      <p:sp>
+        <p:nvSpPr>
+          <p:cNvPr id="5" name="文本框 4"/>
+          <p:cNvSpPr txBox="1"/>
+          <p:nvPr/>
+        </p:nvSpPr>
+        <p:spPr>
+          <a:xfrm>
+            <a:off x="819785" y="1581150"/>
+            <a:ext cx="7480935" cy="368300"/>
+          </a:xfrm>
+          <a:prstGeom prst="rect">
+            <a:avLst/>
+          </a:prstGeom>
+          <a:noFill/>
+        </p:spPr>
+        <p:txBody>
+          <a:bodyPr wrap="square" rtlCol="0" anchor="t">
+            <a:spAutoFit/>
+          </a:bodyPr>
+          <a:p>
+            <a:r>
+              <a:rPr lang="zh-CN" altLang="en-US"/>
+              <a:t>Cartesian coordinates, Points and Vectors</a:t>
+            </a:r>
+            <a:endParaRPr lang="zh-CN" altLang="en-US"/>
+          </a:p>
+        </p:txBody>
+      </p:sp>
+      <p:pic>
+        <p:nvPicPr>
+          <p:cNvPr id="6" name="图片 5"/>
+          <p:cNvPicPr>
+            <a:picLocks noChangeAspect="1"/>
+          </p:cNvPicPr>
+          <p:nvPr/>
+        </p:nvPicPr>
+        <p:blipFill>
+          <a:blip r:embed="rId1"/>
+          <a:stretch>
+            <a:fillRect/>
+          </a:stretch>
+        </p:blipFill>
+        <p:spPr>
+          <a:xfrm>
+            <a:off x="1981200" y="1949450"/>
+            <a:ext cx="8229600" cy="4799330"/>
+          </a:xfrm>
+          <a:prstGeom prst="rect">
+            <a:avLst/>
+          </a:prstGeom>
+        </p:spPr>
+      </p:pic>
+    </p:spTree>
+  </p:cSld>
+  <p:clrMapOvr>
+    <a:masterClrMapping/>
+  </p:clrMapOvr>
+</p:sld>
+</file>
+
+<file path=ppt/slides/slide5.xml><?xml version="1.0" encoding="utf-8"?>
+<p:sld xmlns:a="http://schemas.openxmlformats.org/drawingml/2006/main" xmlns:r="http://schemas.openxmlformats.org/officeDocument/2006/relationships" xmlns:p="http://schemas.openxmlformats.org/presentationml/2006/main">
+  <p:cSld>
+    <p:spTree>
+      <p:nvGrpSpPr>
+        <p:cNvPr id="1" name=""/>
+        <p:cNvGrpSpPr/>
+        <p:nvPr/>
+      </p:nvGrpSpPr>
+      <p:grpSpPr/>
+      <p:sp>
+        <p:nvSpPr>
+          <p:cNvPr id="2" name="标题 1"/>
+          <p:cNvSpPr>
+            <a:spLocks noGrp="1"/>
+          </p:cNvSpPr>
+          <p:nvPr>
+            <p:ph type="title"/>
+          </p:nvPr>
+        </p:nvSpPr>
+        <p:spPr/>
+        <p:txBody>
+          <a:bodyPr>
+            <a:normAutofit/>
+          </a:bodyPr>
+          <a:p>
+            <a:r>
+              <a:rPr lang="en-US" altLang="zh-CN">
+                <a:solidFill>
+                  <a:srgbClr val="FF0000"/>
+                </a:solidFill>
+              </a:rPr>
+              <a:t>Rigid Body Transformations</a:t>
+            </a:r>
+            <a:endParaRPr lang="en-US" altLang="zh-CN">
+              <a:solidFill>
+                <a:srgbClr val="FF0000"/>
+              </a:solidFill>
+            </a:endParaRPr>
+          </a:p>
+        </p:txBody>
+      </p:sp>
+      <p:cxnSp>
+        <p:nvCxnSpPr>
+          <p:cNvPr id="4" name="直接连接符 3"/>
+          <p:cNvCxnSpPr/>
+          <p:nvPr/>
+        </p:nvCxnSpPr>
+        <p:spPr>
+          <a:xfrm>
+            <a:off x="819785" y="1450340"/>
+            <a:ext cx="10552430" cy="20955"/>
+          </a:xfrm>
+          <a:prstGeom prst="line">
+            <a:avLst/>
+          </a:prstGeom>
+          <a:ln w="47625" cmpd="sng">
+            <a:solidFill>
+              <a:schemeClr val="accent1"/>
+            </a:solidFill>
+            <a:prstDash val="solid"/>
+          </a:ln>
+        </p:spPr>
+        <p:style>
+          <a:lnRef idx="1">
+            <a:schemeClr val="accent1"/>
+          </a:lnRef>
+          <a:fillRef idx="0">
+            <a:schemeClr val="accent1"/>
+          </a:fillRef>
+          <a:effectRef idx="0">
+            <a:schemeClr val="accent1"/>
+          </a:effectRef>
+          <a:fontRef idx="minor">
+            <a:schemeClr val="tx1"/>
+          </a:fontRef>
+        </p:style>
+      </p:cxnSp>
+      <p:sp>
+        <p:nvSpPr>
+          <p:cNvPr id="5" name="文本框 4"/>
+          <p:cNvSpPr txBox="1"/>
+          <p:nvPr/>
+        </p:nvSpPr>
+        <p:spPr>
+          <a:xfrm>
+            <a:off x="819785" y="1581150"/>
+            <a:ext cx="7480935" cy="368300"/>
+          </a:xfrm>
+          <a:prstGeom prst="rect">
+            <a:avLst/>
+          </a:prstGeom>
+          <a:noFill/>
+        </p:spPr>
+        <p:txBody>
+          <a:bodyPr wrap="square" rtlCol="0" anchor="t">
+            <a:spAutoFit/>
+          </a:bodyPr>
+          <a:p>
+            <a:r>
+              <a:rPr lang="zh-CN" altLang="en-US"/>
+              <a:t>Cartesian coordinates, Points and Vectors</a:t>
+            </a:r>
+            <a:endParaRPr lang="zh-CN" altLang="en-US"/>
+          </a:p>
+        </p:txBody>
+      </p:sp>
+      <p:pic>
+        <p:nvPicPr>
+          <p:cNvPr id="3" name="图片 2"/>
+          <p:cNvPicPr>
+            <a:picLocks noChangeAspect="1"/>
+          </p:cNvPicPr>
+          <p:nvPr/>
+        </p:nvPicPr>
+        <p:blipFill>
+          <a:blip r:embed="rId1"/>
+          <a:stretch>
+            <a:fillRect/>
+          </a:stretch>
+        </p:blipFill>
+        <p:spPr>
+          <a:xfrm>
+            <a:off x="1957070" y="1949450"/>
+            <a:ext cx="8277225" cy="4686300"/>
+          </a:xfrm>
+          <a:prstGeom prst="rect">
+            <a:avLst/>
+          </a:prstGeom>
+        </p:spPr>
+      </p:pic>
+    </p:spTree>
+  </p:cSld>
+  <p:clrMapOvr>
+    <a:masterClrMapping/>
+  </p:clrMapOvr>
+</p:sld>
+</file>
+
+<file path=ppt/slides/slide6.xml><?xml version="1.0" encoding="utf-8"?>
+<p:sld xmlns:a="http://schemas.openxmlformats.org/drawingml/2006/main" xmlns:r="http://schemas.openxmlformats.org/officeDocument/2006/relationships" xmlns:p="http://schemas.openxmlformats.org/presentationml/2006/main">
+  <p:cSld>
+    <p:spTree>
+      <p:nvGrpSpPr>
+        <p:cNvPr id="1" name=""/>
+        <p:cNvGrpSpPr/>
+        <p:nvPr/>
+      </p:nvGrpSpPr>
+      <p:grpSpPr/>
+      <p:sp>
+        <p:nvSpPr>
+          <p:cNvPr id="2" name="标题 1"/>
+          <p:cNvSpPr>
+            <a:spLocks noGrp="1"/>
+          </p:cNvSpPr>
+          <p:nvPr>
+            <p:ph type="title"/>
+          </p:nvPr>
+        </p:nvSpPr>
+        <p:spPr/>
+        <p:txBody>
+          <a:bodyPr>
+            <a:normAutofit/>
+          </a:bodyPr>
+          <a:p>
+            <a:r>
+              <a:rPr lang="en-US" altLang="zh-CN">
+                <a:solidFill>
+                  <a:srgbClr val="FF0000"/>
+                </a:solidFill>
+              </a:rPr>
+              <a:t>Rigid Body Transformations</a:t>
+            </a:r>
+            <a:endParaRPr lang="en-US" altLang="zh-CN">
+              <a:solidFill>
+                <a:srgbClr val="FF0000"/>
+              </a:solidFill>
+            </a:endParaRPr>
+          </a:p>
+        </p:txBody>
+      </p:sp>
+      <p:cxnSp>
+        <p:nvCxnSpPr>
+          <p:cNvPr id="4" name="直接连接符 3"/>
+          <p:cNvCxnSpPr/>
+          <p:nvPr/>
+        </p:nvCxnSpPr>
+        <p:spPr>
+          <a:xfrm>
+            <a:off x="819785" y="1450340"/>
+            <a:ext cx="10552430" cy="20955"/>
+          </a:xfrm>
+          <a:prstGeom prst="line">
+            <a:avLst/>
+          </a:prstGeom>
+          <a:ln w="47625" cmpd="sng">
+            <a:solidFill>
+              <a:schemeClr val="accent1"/>
+            </a:solidFill>
+            <a:prstDash val="solid"/>
+          </a:ln>
+        </p:spPr>
+        <p:style>
+          <a:lnRef idx="1">
+            <a:schemeClr val="accent1"/>
+          </a:lnRef>
+          <a:fillRef idx="0">
+            <a:schemeClr val="accent1"/>
+          </a:fillRef>
+          <a:effectRef idx="0">
+            <a:schemeClr val="accent1"/>
+          </a:effectRef>
+          <a:fontRef idx="minor">
+            <a:schemeClr val="tx1"/>
+          </a:fontRef>
+        </p:style>
+      </p:cxnSp>
+      <p:sp>
+        <p:nvSpPr>
+          <p:cNvPr id="5" name="文本框 4"/>
+          <p:cNvSpPr txBox="1"/>
+          <p:nvPr/>
+        </p:nvSpPr>
+        <p:spPr>
+          <a:xfrm>
+            <a:off x="819785" y="1581150"/>
+            <a:ext cx="7480935" cy="368300"/>
+          </a:xfrm>
+          <a:prstGeom prst="rect">
+            <a:avLst/>
+          </a:prstGeom>
+          <a:noFill/>
+        </p:spPr>
+        <p:txBody>
+          <a:bodyPr wrap="square" rtlCol="0" anchor="t">
+            <a:spAutoFit/>
+          </a:bodyPr>
+          <a:p>
+            <a:r>
+              <a:rPr lang="zh-CN" altLang="en-US"/>
+              <a:t>Cartesian coordinates, Points and Vectors</a:t>
+            </a:r>
+            <a:endParaRPr lang="zh-CN" altLang="en-US"/>
+          </a:p>
+        </p:txBody>
+      </p:sp>
+      <p:pic>
+        <p:nvPicPr>
+          <p:cNvPr id="6" name="图片 5"/>
+          <p:cNvPicPr>
+            <a:picLocks noChangeAspect="1"/>
+          </p:cNvPicPr>
+          <p:nvPr/>
+        </p:nvPicPr>
+        <p:blipFill>
+          <a:blip r:embed="rId1"/>
+          <a:stretch>
+            <a:fillRect/>
+          </a:stretch>
+        </p:blipFill>
+        <p:spPr>
+          <a:xfrm>
+            <a:off x="2219325" y="1949450"/>
+            <a:ext cx="7753350" cy="4848225"/>
+          </a:xfrm>
+          <a:prstGeom prst="rect">
+            <a:avLst/>
+          </a:prstGeom>
+        </p:spPr>
+      </p:pic>
+    </p:spTree>
+  </p:cSld>
+  <p:clrMapOvr>
+    <a:masterClrMapping/>
+  </p:clrMapOvr>
+</p:sld>
+</file>
+
+<file path=ppt/slides/slide7.xml><?xml version="1.0" encoding="utf-8"?>
+<p:sld xmlns:a="http://schemas.openxmlformats.org/drawingml/2006/main" xmlns:r="http://schemas.openxmlformats.org/officeDocument/2006/relationships" xmlns:p="http://schemas.openxmlformats.org/presentationml/2006/main">
+  <p:cSld>
+    <p:spTree>
+      <p:nvGrpSpPr>
+        <p:cNvPr id="1" name=""/>
+        <p:cNvGrpSpPr/>
+        <p:nvPr/>
+      </p:nvGrpSpPr>
+      <p:grpSpPr/>
+      <p:sp>
+        <p:nvSpPr>
+          <p:cNvPr id="2" name="标题 1"/>
+          <p:cNvSpPr>
+            <a:spLocks noGrp="1"/>
+          </p:cNvSpPr>
+          <p:nvPr>
+            <p:ph type="title"/>
+          </p:nvPr>
+        </p:nvSpPr>
+        <p:spPr/>
+        <p:txBody>
+          <a:bodyPr>
+            <a:normAutofit/>
+          </a:bodyPr>
+          <a:p>
+            <a:r>
+              <a:rPr lang="en-US" altLang="zh-CN">
+                <a:solidFill>
+                  <a:srgbClr val="FF0000"/>
+                </a:solidFill>
+              </a:rPr>
+              <a:t>Rigid Body Transformations</a:t>
+            </a:r>
+            <a:endParaRPr lang="en-US" altLang="zh-CN">
+              <a:solidFill>
+                <a:srgbClr val="FF0000"/>
+              </a:solidFill>
+            </a:endParaRPr>
+          </a:p>
+        </p:txBody>
+      </p:sp>
+      <p:cxnSp>
+        <p:nvCxnSpPr>
+          <p:cNvPr id="4" name="直接连接符 3"/>
+          <p:cNvCxnSpPr/>
+          <p:nvPr/>
+        </p:nvCxnSpPr>
+        <p:spPr>
+          <a:xfrm>
+            <a:off x="819785" y="1450340"/>
+            <a:ext cx="10552430" cy="20955"/>
+          </a:xfrm>
+          <a:prstGeom prst="line">
+            <a:avLst/>
+          </a:prstGeom>
+          <a:ln w="47625" cmpd="sng">
+            <a:solidFill>
+              <a:schemeClr val="accent1"/>
+            </a:solidFill>
+            <a:prstDash val="solid"/>
+          </a:ln>
+        </p:spPr>
+        <p:style>
+          <a:lnRef idx="1">
+            <a:schemeClr val="accent1"/>
+          </a:lnRef>
+          <a:fillRef idx="0">
+            <a:schemeClr val="accent1"/>
+          </a:fillRef>
+          <a:effectRef idx="0">
+            <a:schemeClr val="accent1"/>
+          </a:effectRef>
+          <a:fontRef idx="minor">
+            <a:schemeClr val="tx1"/>
+          </a:fontRef>
+        </p:style>
+      </p:cxnSp>
+      <p:sp>
+        <p:nvSpPr>
+          <p:cNvPr id="3" name="文本框 2"/>
+          <p:cNvSpPr txBox="1"/>
+          <p:nvPr/>
+        </p:nvSpPr>
+        <p:spPr>
+          <a:xfrm>
+            <a:off x="819785" y="1562735"/>
+            <a:ext cx="3554730" cy="368300"/>
+          </a:xfrm>
+          <a:prstGeom prst="rect">
+            <a:avLst/>
+          </a:prstGeom>
+          <a:noFill/>
+        </p:spPr>
+        <p:txBody>
+          <a:bodyPr wrap="square" rtlCol="0" anchor="t">
+            <a:spAutoFit/>
+          </a:bodyPr>
+          <a:p>
+            <a:r>
+              <a:rPr lang="zh-CN" altLang="en-US"/>
+              <a:t>Homogeneous Coordinates</a:t>
+            </a:r>
+            <a:endParaRPr lang="zh-CN" altLang="en-US"/>
+          </a:p>
+        </p:txBody>
+      </p:sp>
+      <p:pic>
+        <p:nvPicPr>
+          <p:cNvPr id="7" name="图片 6"/>
+          <p:cNvPicPr>
+            <a:picLocks noChangeAspect="1"/>
+          </p:cNvPicPr>
+          <p:nvPr/>
+        </p:nvPicPr>
+        <p:blipFill>
+          <a:blip r:embed="rId1"/>
+          <a:stretch>
+            <a:fillRect/>
+          </a:stretch>
+        </p:blipFill>
+        <p:spPr>
+          <a:xfrm>
+            <a:off x="2019300" y="1931035"/>
+            <a:ext cx="8153400" cy="4905375"/>
+          </a:xfrm>
+          <a:prstGeom prst="rect">
+            <a:avLst/>
+          </a:prstGeom>
+        </p:spPr>
+      </p:pic>
+    </p:spTree>
+  </p:cSld>
+  <p:clrMapOvr>
+    <a:masterClrMapping/>
+  </p:clrMapOvr>
+</p:sld>
+</file>
+
+<file path=ppt/slides/slide8.xml><?xml version="1.0" encoding="utf-8"?>
+<p:sld xmlns:a="http://schemas.openxmlformats.org/drawingml/2006/main" xmlns:r="http://schemas.openxmlformats.org/officeDocument/2006/relationships" xmlns:p="http://schemas.openxmlformats.org/presentationml/2006/main">
+  <p:cSld>
+    <p:spTree>
+      <p:nvGrpSpPr>
+        <p:cNvPr id="1" name=""/>
+        <p:cNvGrpSpPr/>
+        <p:nvPr/>
+      </p:nvGrpSpPr>
+      <p:grpSpPr/>
+      <p:sp>
+        <p:nvSpPr>
+          <p:cNvPr id="2" name="标题 1"/>
+          <p:cNvSpPr>
+            <a:spLocks noGrp="1"/>
+          </p:cNvSpPr>
+          <p:nvPr>
+            <p:ph type="title"/>
+          </p:nvPr>
+        </p:nvSpPr>
+        <p:spPr/>
+        <p:txBody>
+          <a:bodyPr>
+            <a:normAutofit/>
+          </a:bodyPr>
+          <a:p>
+            <a:r>
+              <a:rPr lang="en-US" altLang="zh-CN">
+                <a:solidFill>
+                  <a:srgbClr val="FF0000"/>
+                </a:solidFill>
+              </a:rPr>
+              <a:t>Rigid Body Transformations</a:t>
+            </a:r>
+            <a:endParaRPr lang="en-US" altLang="zh-CN">
+              <a:solidFill>
+                <a:srgbClr val="FF0000"/>
+              </a:solidFill>
+            </a:endParaRPr>
+          </a:p>
+        </p:txBody>
+      </p:sp>
+      <p:cxnSp>
+        <p:nvCxnSpPr>
+          <p:cNvPr id="4" name="直接连接符 3"/>
+          <p:cNvCxnSpPr/>
+          <p:nvPr/>
+        </p:nvCxnSpPr>
+        <p:spPr>
+          <a:xfrm>
+            <a:off x="819785" y="1450340"/>
+            <a:ext cx="10552430" cy="20955"/>
+          </a:xfrm>
+          <a:prstGeom prst="line">
+            <a:avLst/>
+          </a:prstGeom>
+          <a:ln w="47625" cmpd="sng">
+            <a:solidFill>
+              <a:schemeClr val="accent1"/>
+            </a:solidFill>
+            <a:prstDash val="solid"/>
+          </a:ln>
+        </p:spPr>
+        <p:style>
+          <a:lnRef idx="1">
+            <a:schemeClr val="accent1"/>
+          </a:lnRef>
+          <a:fillRef idx="0">
+            <a:schemeClr val="accent1"/>
+          </a:fillRef>
+          <a:effectRef idx="0">
+            <a:schemeClr val="accent1"/>
+          </a:effectRef>
+          <a:fontRef idx="minor">
+            <a:schemeClr val="tx1"/>
+          </a:fontRef>
+        </p:style>
+      </p:cxnSp>
+      <p:sp>
+        <p:nvSpPr>
+          <p:cNvPr id="6" name="文本框 5"/>
+          <p:cNvSpPr txBox="1"/>
+          <p:nvPr/>
+        </p:nvSpPr>
+        <p:spPr>
+          <a:xfrm>
+            <a:off x="838200" y="1562735"/>
+            <a:ext cx="2540000" cy="368300"/>
+          </a:xfrm>
+          <a:prstGeom prst="rect">
+            <a:avLst/>
+          </a:prstGeom>
+          <a:noFill/>
+        </p:spPr>
+        <p:txBody>
+          <a:bodyPr wrap="square" rtlCol="0" anchor="t">
+            <a:spAutoFit/>
+          </a:bodyPr>
+          <a:p>
+            <a:r>
+              <a:rPr lang="zh-CN" altLang="en-US"/>
+              <a:t>Perspective Imaging</a:t>
+            </a:r>
+            <a:endParaRPr lang="zh-CN" altLang="en-US"/>
+          </a:p>
+        </p:txBody>
+      </p:sp>
+      <p:pic>
+        <p:nvPicPr>
+          <p:cNvPr id="8" name="图片 7"/>
+          <p:cNvPicPr>
+            <a:picLocks noChangeAspect="1"/>
+          </p:cNvPicPr>
+          <p:nvPr/>
+        </p:nvPicPr>
+        <p:blipFill>
+          <a:blip r:embed="rId1"/>
+          <a:stretch>
+            <a:fillRect/>
+          </a:stretch>
+        </p:blipFill>
+        <p:spPr>
+          <a:xfrm>
+            <a:off x="2463800" y="1931035"/>
+            <a:ext cx="7265035" cy="4806315"/>
+          </a:xfrm>
+          <a:prstGeom prst="rect">
+            <a:avLst/>
+          </a:prstGeom>
+        </p:spPr>
+      </p:pic>
+    </p:spTree>
+  </p:cSld>
+  <p:clrMapOvr>
+    <a:masterClrMapping/>
+  </p:clrMapOvr>
+</p:sld>
+</file>
+
+<file path=ppt/slides/slide9.xml><?xml version="1.0" encoding="utf-8"?>
+<p:sld xmlns:a="http://schemas.openxmlformats.org/drawingml/2006/main" xmlns:r="http://schemas.openxmlformats.org/officeDocument/2006/relationships" xmlns:p="http://schemas.openxmlformats.org/presentationml/2006/main">
+  <p:cSld>
+    <p:spTree>
+      <p:nvGrpSpPr>
+        <p:cNvPr id="1" name=""/>
+        <p:cNvGrpSpPr/>
+        <p:nvPr/>
+      </p:nvGrpSpPr>
+      <p:grpSpPr/>
+      <p:sp>
+        <p:nvSpPr>
+          <p:cNvPr id="2" name="标题 1"/>
+          <p:cNvSpPr>
+            <a:spLocks noGrp="1"/>
+          </p:cNvSpPr>
+          <p:nvPr>
+            <p:ph type="title"/>
+          </p:nvPr>
+        </p:nvSpPr>
+        <p:spPr/>
+        <p:txBody>
+          <a:bodyPr>
+            <a:normAutofit/>
+          </a:bodyPr>
+          <a:p>
+            <a:r>
+              <a:rPr lang="en-US" altLang="zh-CN">
+                <a:solidFill>
+                  <a:srgbClr val="FF0000"/>
+                </a:solidFill>
+              </a:rPr>
+              <a:t>Rigid Body Transformations</a:t>
+            </a:r>
+            <a:endParaRPr lang="en-US" altLang="zh-CN">
+              <a:solidFill>
+                <a:srgbClr val="FF0000"/>
+              </a:solidFill>
+            </a:endParaRPr>
+          </a:p>
+        </p:txBody>
+      </p:sp>
+      <p:cxnSp>
+        <p:nvCxnSpPr>
+          <p:cNvPr id="4" name="直接连接符 3"/>
+          <p:cNvCxnSpPr/>
+          <p:nvPr/>
+        </p:nvCxnSpPr>
+        <p:spPr>
+          <a:xfrm>
+            <a:off x="819785" y="1450340"/>
+            <a:ext cx="10552430" cy="20955"/>
+          </a:xfrm>
+          <a:prstGeom prst="line">
+            <a:avLst/>
+          </a:prstGeom>
+          <a:ln w="47625" cmpd="sng">
+            <a:solidFill>
+              <a:schemeClr val="accent1"/>
+            </a:solidFill>
+            <a:prstDash val="solid"/>
+          </a:ln>
+        </p:spPr>
+        <p:style>
+          <a:lnRef idx="1">
+            <a:schemeClr val="accent1"/>
+          </a:lnRef>
+          <a:fillRef idx="0">
+            <a:schemeClr val="accent1"/>
+          </a:fillRef>
+          <a:effectRef idx="0">
+            <a:schemeClr val="accent1"/>
+          </a:effectRef>
+          <a:fontRef idx="minor">
+            <a:schemeClr val="tx1"/>
+          </a:fontRef>
+        </p:style>
+      </p:cxnSp>
+      <p:sp>
+        <p:nvSpPr>
+          <p:cNvPr id="6" name="文本框 5"/>
+          <p:cNvSpPr txBox="1"/>
+          <p:nvPr/>
+        </p:nvSpPr>
+        <p:spPr>
+          <a:xfrm>
+            <a:off x="838200" y="1562735"/>
+            <a:ext cx="5677535" cy="368300"/>
+          </a:xfrm>
+          <a:prstGeom prst="rect">
+            <a:avLst/>
+          </a:prstGeom>
+          <a:noFill/>
+        </p:spPr>
+        <p:txBody>
+          <a:bodyPr wrap="square" rtlCol="0" anchor="t">
+            <a:spAutoFit/>
+          </a:bodyPr>
+          <a:p>
+            <a:r>
+              <a:rPr lang="zh-CN" altLang="en-US"/>
+              <a:t>Camera Model ging</a:t>
+            </a:r>
+            <a:endParaRPr lang="zh-CN" altLang="en-US"/>
+          </a:p>
+        </p:txBody>
+      </p:sp>
+      <p:pic>
+        <p:nvPicPr>
+          <p:cNvPr id="3" name="图片 2"/>
+          <p:cNvPicPr>
+            <a:picLocks noChangeAspect="1"/>
+          </p:cNvPicPr>
+          <p:nvPr/>
+        </p:nvPicPr>
+        <p:blipFill>
+          <a:blip r:embed="rId1"/>
+          <a:stretch>
+            <a:fillRect/>
+          </a:stretch>
+        </p:blipFill>
+        <p:spPr>
+          <a:xfrm>
+            <a:off x="2745105" y="1931035"/>
+            <a:ext cx="6701790" cy="4916805"/>
+          </a:xfrm>
+          <a:prstGeom prst="rect">
+            <a:avLst/>
+          </a:prstGeom>
+        </p:spPr>
+      </p:pic>
     </p:spTree>
   </p:cSld>
   <p:clrMapOvr>
@@ -3345,4 +5550,263 @@
     </a:ext>
   </a:extLst>
 </a:theme>
+</file>
+
+<file path=ppt/theme/theme2.xml><?xml version="1.0" encoding="utf-8"?>
+<a:theme xmlns:a="http://schemas.openxmlformats.org/drawingml/2006/main" name="Office 主题">
+  <a:themeElements>
+    <a:clrScheme name="Office">
+      <a:dk1>
+        <a:sysClr val="windowText" lastClr="000000"/>
+      </a:dk1>
+      <a:lt1>
+        <a:sysClr val="window" lastClr="FFFFFF"/>
+      </a:lt1>
+      <a:dk2>
+        <a:srgbClr val="44546A"/>
+      </a:dk2>
+      <a:lt2>
+        <a:srgbClr val="E7E6E6"/>
+      </a:lt2>
+      <a:accent1>
+        <a:srgbClr val="5B9BD5"/>
+      </a:accent1>
+      <a:accent2>
+        <a:srgbClr val="ED7D31"/>
+      </a:accent2>
+      <a:accent3>
+        <a:srgbClr val="A5A5A5"/>
+      </a:accent3>
+      <a:accent4>
+        <a:srgbClr val="FFC000"/>
+      </a:accent4>
+      <a:accent5>
+        <a:srgbClr val="4472C4"/>
+      </a:accent5>
+      <a:accent6>
+        <a:srgbClr val="70AD47"/>
+      </a:accent6>
+      <a:hlink>
+        <a:srgbClr val="0563C1"/>
+      </a:hlink>
+      <a:folHlink>
+        <a:srgbClr val="954F72"/>
+      </a:folHlink>
+    </a:clrScheme>
+    <a:fontScheme name="Office">
+      <a:majorFont>
+        <a:latin typeface="Calibri Light"/>
+        <a:ea typeface=""/>
+        <a:cs typeface=""/>
+        <a:font script="Jpan" typeface="ＭＳ Ｐゴシック"/>
+        <a:font script="Hang" typeface="맑은 고딕"/>
+        <a:font script="Hans" typeface="宋体"/>
+        <a:font script="Hant" typeface="新細明體"/>
+        <a:font script="Arab" typeface="Times New Roman"/>
+        <a:font script="Hebr" typeface="Times New Roman"/>
+        <a:font script="Thai" typeface="Angsana New"/>
+        <a:font script="Ethi" typeface="Nyala"/>
+        <a:font script="Beng" typeface="Vrinda"/>
+        <a:font script="Gujr" typeface="Shruti"/>
+        <a:font script="Khmr" typeface="MoolBoran"/>
+        <a:font script="Knda" typeface="Tunga"/>
+        <a:font script="Guru" typeface="Raavi"/>
+        <a:font script="Cans" typeface="Euphemia"/>
+        <a:font script="Cher" typeface="Plantagenet Cherokee"/>
+        <a:font script="Yiii" typeface="Microsoft Yi Baiti"/>
+        <a:font script="Tibt" typeface="Microsoft Himalaya"/>
+        <a:font script="Thaa" typeface="MV Boli"/>
+        <a:font script="Deva" typeface="Mangal"/>
+        <a:font script="Telu" typeface="Gautami"/>
+        <a:font script="Taml" typeface="Latha"/>
+        <a:font script="Syrc" typeface="Estrangelo Edessa"/>
+        <a:font script="Orya" typeface="Kalinga"/>
+        <a:font script="Mlym" typeface="Kartika"/>
+        <a:font script="Laoo" typeface="DokChampa"/>
+        <a:font script="Sinh" typeface="Iskoola Pota"/>
+        <a:font script="Mong" typeface="Mongolian Baiti"/>
+        <a:font script="Viet" typeface="Times New Roman"/>
+        <a:font script="Uigh" typeface="Microsoft Uighur"/>
+        <a:font script="Geor" typeface="Sylfaen"/>
+      </a:majorFont>
+      <a:minorFont>
+        <a:latin typeface="Calibri"/>
+        <a:ea typeface=""/>
+        <a:cs typeface=""/>
+        <a:font script="Jpan" typeface="ＭＳ Ｐゴシック"/>
+        <a:font script="Hang" typeface="맑은 고딕"/>
+        <a:font script="Hans" typeface="宋体"/>
+        <a:font script="Hant" typeface="新細明體"/>
+        <a:font script="Arab" typeface="Arial"/>
+        <a:font script="Hebr" typeface="Arial"/>
+        <a:font script="Thai" typeface="Cordia New"/>
+        <a:font script="Ethi" typeface="Nyala"/>
+        <a:font script="Beng" typeface="Vrinda"/>
+        <a:font script="Gujr" typeface="Shruti"/>
+        <a:font script="Khmr" typeface="DaunPenh"/>
+        <a:font script="Knda" typeface="Tunga"/>
+        <a:font script="Guru" typeface="Raavi"/>
+        <a:font script="Cans" typeface="Euphemia"/>
+        <a:font script="Cher" typeface="Plantagenet Cherokee"/>
+        <a:font script="Yiii" typeface="Microsoft Yi Baiti"/>
+        <a:font script="Tibt" typeface="Microsoft Himalaya"/>
+        <a:font script="Thaa" typeface="MV Boli"/>
+        <a:font script="Deva" typeface="Mangal"/>
+        <a:font script="Telu" typeface="Gautami"/>
+        <a:font script="Taml" typeface="Latha"/>
+        <a:font script="Syrc" typeface="Estrangelo Edessa"/>
+        <a:font script="Orya" typeface="Kalinga"/>
+        <a:font script="Mlym" typeface="Kartika"/>
+        <a:font script="Laoo" typeface="DokChampa"/>
+        <a:font script="Sinh" typeface="Iskoola Pota"/>
+        <a:font script="Mong" typeface="Mongolian Baiti"/>
+        <a:font script="Viet" typeface="Arial"/>
+        <a:font script="Uigh" typeface="Microsoft Uighur"/>
+        <a:font script="Geor" typeface="Sylfaen"/>
+      </a:minorFont>
+    </a:fontScheme>
+    <a:fmtScheme name="Office">
+      <a:fillStyleLst>
+        <a:solidFill>
+          <a:schemeClr val="phClr"/>
+        </a:solidFill>
+        <a:gradFill rotWithShape="1">
+          <a:gsLst>
+            <a:gs pos="0">
+              <a:schemeClr val="phClr">
+                <a:lumMod val="110000"/>
+                <a:satMod val="105000"/>
+                <a:tint val="67000"/>
+              </a:schemeClr>
+            </a:gs>
+            <a:gs pos="50000">
+              <a:schemeClr val="phClr">
+                <a:lumMod val="105000"/>
+                <a:satMod val="103000"/>
+                <a:tint val="73000"/>
+              </a:schemeClr>
+            </a:gs>
+            <a:gs pos="100000">
+              <a:schemeClr val="phClr">
+                <a:lumMod val="105000"/>
+                <a:satMod val="109000"/>
+                <a:tint val="81000"/>
+              </a:schemeClr>
+            </a:gs>
+          </a:gsLst>
+          <a:lin ang="5400000" scaled="0"/>
+        </a:gradFill>
+        <a:gradFill rotWithShape="1">
+          <a:gsLst>
+            <a:gs pos="0">
+              <a:schemeClr val="phClr">
+                <a:satMod val="103000"/>
+                <a:lumMod val="102000"/>
+                <a:tint val="94000"/>
+              </a:schemeClr>
+            </a:gs>
+            <a:gs pos="50000">
+              <a:schemeClr val="phClr">
+                <a:satMod val="110000"/>
+                <a:lumMod val="100000"/>
+                <a:shade val="100000"/>
+              </a:schemeClr>
+            </a:gs>
+            <a:gs pos="100000">
+              <a:schemeClr val="phClr">
+                <a:lumMod val="99000"/>
+                <a:satMod val="120000"/>
+                <a:shade val="78000"/>
+              </a:schemeClr>
+            </a:gs>
+          </a:gsLst>
+          <a:lin ang="5400000" scaled="0"/>
+        </a:gradFill>
+      </a:fillStyleLst>
+      <a:lnStyleLst>
+        <a:ln w="6350" cap="flat" cmpd="sng" algn="ctr">
+          <a:solidFill>
+            <a:schemeClr val="phClr"/>
+          </a:solidFill>
+          <a:prstDash val="solid"/>
+          <a:miter lim="800000"/>
+        </a:ln>
+        <a:ln w="12700" cap="flat" cmpd="sng" algn="ctr">
+          <a:solidFill>
+            <a:schemeClr val="phClr"/>
+          </a:solidFill>
+          <a:prstDash val="solid"/>
+          <a:miter lim="800000"/>
+        </a:ln>
+        <a:ln w="19050" cap="flat" cmpd="sng" algn="ctr">
+          <a:solidFill>
+            <a:schemeClr val="phClr"/>
+          </a:solidFill>
+          <a:prstDash val="solid"/>
+          <a:miter lim="800000"/>
+        </a:ln>
+      </a:lnStyleLst>
+      <a:effectStyleLst>
+        <a:effectStyle>
+          <a:effectLst/>
+        </a:effectStyle>
+        <a:effectStyle>
+          <a:effectLst/>
+        </a:effectStyle>
+        <a:effectStyle>
+          <a:effectLst>
+            <a:outerShdw blurRad="57150" dist="19050" dir="5400000" algn="ctr" rotWithShape="0">
+              <a:srgbClr val="000000">
+                <a:alpha val="63000"/>
+              </a:srgbClr>
+            </a:outerShdw>
+          </a:effectLst>
+        </a:effectStyle>
+      </a:effectStyleLst>
+      <a:bgFillStyleLst>
+        <a:solidFill>
+          <a:schemeClr val="phClr"/>
+        </a:solidFill>
+        <a:solidFill>
+          <a:schemeClr val="phClr">
+            <a:tint val="95000"/>
+            <a:satMod val="170000"/>
+          </a:schemeClr>
+        </a:solidFill>
+        <a:gradFill rotWithShape="1">
+          <a:gsLst>
+            <a:gs pos="0">
+              <a:schemeClr val="phClr">
+                <a:tint val="93000"/>
+                <a:satMod val="150000"/>
+                <a:shade val="98000"/>
+                <a:lumMod val="102000"/>
+              </a:schemeClr>
+            </a:gs>
+            <a:gs pos="50000">
+              <a:schemeClr val="phClr">
+                <a:tint val="98000"/>
+                <a:satMod val="130000"/>
+                <a:shade val="90000"/>
+                <a:lumMod val="103000"/>
+              </a:schemeClr>
+            </a:gs>
+            <a:gs pos="100000">
+              <a:schemeClr val="phClr">
+                <a:shade val="63000"/>
+                <a:satMod val="120000"/>
+              </a:schemeClr>
+            </a:gs>
+          </a:gsLst>
+          <a:lin ang="5400000" scaled="0"/>
+        </a:gradFill>
+      </a:bgFillStyleLst>
+    </a:fmtScheme>
+  </a:themeElements>
+  <a:extLst>
+    <a:ext uri="{05A4C25C-085E-4340-85A3-A5531E510DB2}">
+      <thm15:themeFamily xmlns:thm15="http://schemas.microsoft.com/office/thememl/2012/main" name="Office Theme" id="{62F939B6-93AF-4DB8-9C6B-D6C7DFDC589F}" vid="{4A3C46E8-61CC-4603-A589-7422A47A8E4A}"/>
+    </a:ext>
+  </a:extLst>
+</a:theme>
 </file>
--- a/docs/pptx/LieGroups.pptx
+++ b/docs/pptx/LieGroups.pptx
@@ -23,6 +23,14 @@
     <p:sldId id="264" r:id="rId16"/>
     <p:sldId id="265" r:id="rId17"/>
     <p:sldId id="266" r:id="rId18"/>
+    <p:sldId id="281" r:id="rId19"/>
+    <p:sldId id="282" r:id="rId20"/>
+    <p:sldId id="283" r:id="rId21"/>
+    <p:sldId id="284" r:id="rId22"/>
+    <p:sldId id="285" r:id="rId23"/>
+    <p:sldId id="286" r:id="rId24"/>
+    <p:sldId id="287" r:id="rId25"/>
+    <p:sldId id="288" r:id="rId26"/>
   </p:sldIdLst>
   <p:sldSz cx="12192000" cy="6858000"/>
   <p:notesSz cx="6858000" cy="9144000"/>
@@ -516,6 +524,270 @@
 </file>
 
 <file path=ppt/notesSlides/notesSlide2.xml><?xml version="1.0" encoding="utf-8"?>
+<p:notes xmlns:a="http://schemas.openxmlformats.org/drawingml/2006/main" xmlns:r="http://schemas.openxmlformats.org/officeDocument/2006/relationships" xmlns:p="http://schemas.openxmlformats.org/presentationml/2006/main">
+  <p:cSld>
+    <p:spTree>
+      <p:nvGrpSpPr>
+        <p:cNvPr id="1" name=""/>
+        <p:cNvGrpSpPr/>
+        <p:nvPr/>
+      </p:nvGrpSpPr>
+      <p:grpSpPr/>
+      <p:sp>
+        <p:nvSpPr>
+          <p:cNvPr id="2" name="幻灯片图像占位符 1"/>
+          <p:cNvSpPr/>
+          <p:nvPr>
+            <p:ph type="sldImg" idx="2"/>
+          </p:nvPr>
+        </p:nvSpPr>
+        <p:spPr/>
+      </p:sp>
+      <p:sp>
+        <p:nvSpPr>
+          <p:cNvPr id="3" name="文本占位符 2"/>
+          <p:cNvSpPr/>
+          <p:nvPr>
+            <p:ph type="body" idx="3"/>
+          </p:nvPr>
+        </p:nvSpPr>
+        <p:spPr/>
+        <p:txBody>
+          <a:bodyPr/>
+          <a:p>
+            <a:endParaRPr lang="zh-CN" altLang="en-US"/>
+          </a:p>
+        </p:txBody>
+      </p:sp>
+    </p:spTree>
+  </p:cSld>
+  <p:clrMapOvr>
+    <a:masterClrMapping/>
+  </p:clrMapOvr>
+</p:notes>
+</file>
+
+<file path=ppt/notesSlides/notesSlide3.xml><?xml version="1.0" encoding="utf-8"?>
+<p:notes xmlns:a="http://schemas.openxmlformats.org/drawingml/2006/main" xmlns:r="http://schemas.openxmlformats.org/officeDocument/2006/relationships" xmlns:p="http://schemas.openxmlformats.org/presentationml/2006/main">
+  <p:cSld>
+    <p:spTree>
+      <p:nvGrpSpPr>
+        <p:cNvPr id="1" name=""/>
+        <p:cNvGrpSpPr/>
+        <p:nvPr/>
+      </p:nvGrpSpPr>
+      <p:grpSpPr/>
+      <p:sp>
+        <p:nvSpPr>
+          <p:cNvPr id="2" name="幻灯片图像占位符 1"/>
+          <p:cNvSpPr/>
+          <p:nvPr>
+            <p:ph type="sldImg" idx="2"/>
+          </p:nvPr>
+        </p:nvSpPr>
+        <p:spPr/>
+      </p:sp>
+      <p:sp>
+        <p:nvSpPr>
+          <p:cNvPr id="3" name="文本占位符 2"/>
+          <p:cNvSpPr/>
+          <p:nvPr>
+            <p:ph type="body" idx="3"/>
+          </p:nvPr>
+        </p:nvSpPr>
+        <p:spPr/>
+        <p:txBody>
+          <a:bodyPr/>
+          <a:p>
+            <a:endParaRPr lang="zh-CN" altLang="en-US"/>
+          </a:p>
+        </p:txBody>
+      </p:sp>
+    </p:spTree>
+  </p:cSld>
+  <p:clrMapOvr>
+    <a:masterClrMapping/>
+  </p:clrMapOvr>
+</p:notes>
+</file>
+
+<file path=ppt/notesSlides/notesSlide4.xml><?xml version="1.0" encoding="utf-8"?>
+<p:notes xmlns:a="http://schemas.openxmlformats.org/drawingml/2006/main" xmlns:r="http://schemas.openxmlformats.org/officeDocument/2006/relationships" xmlns:p="http://schemas.openxmlformats.org/presentationml/2006/main">
+  <p:cSld>
+    <p:spTree>
+      <p:nvGrpSpPr>
+        <p:cNvPr id="1" name=""/>
+        <p:cNvGrpSpPr/>
+        <p:nvPr/>
+      </p:nvGrpSpPr>
+      <p:grpSpPr/>
+      <p:sp>
+        <p:nvSpPr>
+          <p:cNvPr id="2" name="幻灯片图像占位符 1"/>
+          <p:cNvSpPr/>
+          <p:nvPr>
+            <p:ph type="sldImg" idx="2"/>
+          </p:nvPr>
+        </p:nvSpPr>
+        <p:spPr/>
+      </p:sp>
+      <p:sp>
+        <p:nvSpPr>
+          <p:cNvPr id="3" name="文本占位符 2"/>
+          <p:cNvSpPr/>
+          <p:nvPr>
+            <p:ph type="body" idx="3"/>
+          </p:nvPr>
+        </p:nvSpPr>
+        <p:spPr/>
+        <p:txBody>
+          <a:bodyPr/>
+          <a:p>
+            <a:endParaRPr lang="zh-CN" altLang="en-US"/>
+          </a:p>
+        </p:txBody>
+      </p:sp>
+    </p:spTree>
+  </p:cSld>
+  <p:clrMapOvr>
+    <a:masterClrMapping/>
+  </p:clrMapOvr>
+</p:notes>
+</file>
+
+<file path=ppt/notesSlides/notesSlide5.xml><?xml version="1.0" encoding="utf-8"?>
+<p:notes xmlns:a="http://schemas.openxmlformats.org/drawingml/2006/main" xmlns:r="http://schemas.openxmlformats.org/officeDocument/2006/relationships" xmlns:p="http://schemas.openxmlformats.org/presentationml/2006/main">
+  <p:cSld>
+    <p:spTree>
+      <p:nvGrpSpPr>
+        <p:cNvPr id="1" name=""/>
+        <p:cNvGrpSpPr/>
+        <p:nvPr/>
+      </p:nvGrpSpPr>
+      <p:grpSpPr/>
+      <p:sp>
+        <p:nvSpPr>
+          <p:cNvPr id="2" name="幻灯片图像占位符 1"/>
+          <p:cNvSpPr/>
+          <p:nvPr>
+            <p:ph type="sldImg" idx="2"/>
+          </p:nvPr>
+        </p:nvSpPr>
+        <p:spPr/>
+      </p:sp>
+      <p:sp>
+        <p:nvSpPr>
+          <p:cNvPr id="3" name="文本占位符 2"/>
+          <p:cNvSpPr/>
+          <p:nvPr>
+            <p:ph type="body" idx="3"/>
+          </p:nvPr>
+        </p:nvSpPr>
+        <p:spPr/>
+        <p:txBody>
+          <a:bodyPr/>
+          <a:p>
+            <a:endParaRPr lang="zh-CN" altLang="en-US"/>
+          </a:p>
+        </p:txBody>
+      </p:sp>
+    </p:spTree>
+  </p:cSld>
+  <p:clrMapOvr>
+    <a:masterClrMapping/>
+  </p:clrMapOvr>
+</p:notes>
+</file>
+
+<file path=ppt/notesSlides/notesSlide6.xml><?xml version="1.0" encoding="utf-8"?>
+<p:notes xmlns:a="http://schemas.openxmlformats.org/drawingml/2006/main" xmlns:r="http://schemas.openxmlformats.org/officeDocument/2006/relationships" xmlns:p="http://schemas.openxmlformats.org/presentationml/2006/main">
+  <p:cSld>
+    <p:spTree>
+      <p:nvGrpSpPr>
+        <p:cNvPr id="1" name=""/>
+        <p:cNvGrpSpPr/>
+        <p:nvPr/>
+      </p:nvGrpSpPr>
+      <p:grpSpPr/>
+      <p:sp>
+        <p:nvSpPr>
+          <p:cNvPr id="2" name="幻灯片图像占位符 1"/>
+          <p:cNvSpPr/>
+          <p:nvPr>
+            <p:ph type="sldImg" idx="2"/>
+          </p:nvPr>
+        </p:nvSpPr>
+        <p:spPr/>
+      </p:sp>
+      <p:sp>
+        <p:nvSpPr>
+          <p:cNvPr id="3" name="文本占位符 2"/>
+          <p:cNvSpPr/>
+          <p:nvPr>
+            <p:ph type="body" idx="3"/>
+          </p:nvPr>
+        </p:nvSpPr>
+        <p:spPr/>
+        <p:txBody>
+          <a:bodyPr/>
+          <a:p>
+            <a:endParaRPr lang="zh-CN" altLang="en-US"/>
+          </a:p>
+        </p:txBody>
+      </p:sp>
+    </p:spTree>
+  </p:cSld>
+  <p:clrMapOvr>
+    <a:masterClrMapping/>
+  </p:clrMapOvr>
+</p:notes>
+</file>
+
+<file path=ppt/notesSlides/notesSlide7.xml><?xml version="1.0" encoding="utf-8"?>
+<p:notes xmlns:a="http://schemas.openxmlformats.org/drawingml/2006/main" xmlns:r="http://schemas.openxmlformats.org/officeDocument/2006/relationships" xmlns:p="http://schemas.openxmlformats.org/presentationml/2006/main">
+  <p:cSld>
+    <p:spTree>
+      <p:nvGrpSpPr>
+        <p:cNvPr id="1" name=""/>
+        <p:cNvGrpSpPr/>
+        <p:nvPr/>
+      </p:nvGrpSpPr>
+      <p:grpSpPr/>
+      <p:sp>
+        <p:nvSpPr>
+          <p:cNvPr id="2" name="幻灯片图像占位符 1"/>
+          <p:cNvSpPr/>
+          <p:nvPr>
+            <p:ph type="sldImg" idx="2"/>
+          </p:nvPr>
+        </p:nvSpPr>
+        <p:spPr/>
+      </p:sp>
+      <p:sp>
+        <p:nvSpPr>
+          <p:cNvPr id="3" name="文本占位符 2"/>
+          <p:cNvSpPr/>
+          <p:nvPr>
+            <p:ph type="body" idx="3"/>
+          </p:nvPr>
+        </p:nvSpPr>
+        <p:spPr/>
+        <p:txBody>
+          <a:bodyPr/>
+          <a:p>
+            <a:endParaRPr lang="zh-CN" altLang="en-US"/>
+          </a:p>
+        </p:txBody>
+      </p:sp>
+    </p:spTree>
+  </p:cSld>
+  <p:clrMapOvr>
+    <a:masterClrMapping/>
+  </p:clrMapOvr>
+</p:notes>
+</file>
+
+<file path=ppt/notesSlides/notesSlide8.xml><?xml version="1.0" encoding="utf-8"?>
 <p:notes xmlns:a="http://schemas.openxmlformats.org/drawingml/2006/main" xmlns:r="http://schemas.openxmlformats.org/officeDocument/2006/relationships" xmlns:p="http://schemas.openxmlformats.org/presentationml/2006/main">
   <p:cSld>
     <p:spTree>
@@ -3571,7 +3843,7 @@
       <p:sp>
         <p:nvSpPr>
           <p:cNvPr id="7" name="文本框 6">
-            <a:hlinkClick r:id="rId2" tooltip="" action="ppaction://hlinkfile"/>
+            <a:hlinkClick r:id="rId2" action="ppaction://hlinkfile"/>
           </p:cNvPr>
           <p:cNvSpPr txBox="1"/>
           <p:nvPr/>
@@ -3807,24 +4079,6 @@
           </a:p>
         </p:txBody>
       </p:sp>
-      <p:sp>
-        <p:nvSpPr>
-          <p:cNvPr id="3" name="内容占位符 2"/>
-          <p:cNvSpPr>
-            <a:spLocks noGrp="1"/>
-          </p:cNvSpPr>
-          <p:nvPr>
-            <p:ph idx="1"/>
-          </p:nvPr>
-        </p:nvSpPr>
-        <p:spPr/>
-        <p:txBody>
-          <a:bodyPr/>
-          <a:p>
-            <a:endParaRPr lang="zh-CN" altLang="en-US"/>
-          </a:p>
-        </p:txBody>
-      </p:sp>
       <p:cxnSp>
         <p:nvCxnSpPr>
           <p:cNvPr id="4" name="直接连接符 3"/>
@@ -3861,6 +4115,32 @@
           </a:fontRef>
         </p:style>
       </p:cxnSp>
+      <p:pic>
+        <p:nvPicPr>
+          <p:cNvPr id="5" name="内容占位符 4"/>
+          <p:cNvPicPr>
+            <a:picLocks noChangeAspect="1"/>
+          </p:cNvPicPr>
+          <p:nvPr>
+            <p:ph idx="1"/>
+          </p:nvPr>
+        </p:nvPicPr>
+        <p:blipFill>
+          <a:blip r:embed="rId1"/>
+          <a:stretch>
+            <a:fillRect/>
+          </a:stretch>
+        </p:blipFill>
+        <p:spPr>
+          <a:xfrm>
+            <a:off x="1838325" y="2251075"/>
+            <a:ext cx="8515350" cy="2028825"/>
+          </a:xfrm>
+          <a:prstGeom prst="rect">
+            <a:avLst/>
+          </a:prstGeom>
+        </p:spPr>
+      </p:pic>
     </p:spTree>
   </p:cSld>
   <p:clrMapOvr>
@@ -3911,24 +4191,6 @@
           </a:p>
         </p:txBody>
       </p:sp>
-      <p:sp>
-        <p:nvSpPr>
-          <p:cNvPr id="3" name="内容占位符 2"/>
-          <p:cNvSpPr>
-            <a:spLocks noGrp="1"/>
-          </p:cNvSpPr>
-          <p:nvPr>
-            <p:ph idx="1"/>
-          </p:nvPr>
-        </p:nvSpPr>
-        <p:spPr/>
-        <p:txBody>
-          <a:bodyPr/>
-          <a:p>
-            <a:endParaRPr lang="zh-CN" altLang="en-US"/>
-          </a:p>
-        </p:txBody>
-      </p:sp>
       <p:cxnSp>
         <p:nvCxnSpPr>
           <p:cNvPr id="4" name="直接连接符 3"/>
@@ -3965,6 +4227,32 @@
           </a:fontRef>
         </p:style>
       </p:cxnSp>
+      <p:pic>
+        <p:nvPicPr>
+          <p:cNvPr id="5" name="内容占位符 4"/>
+          <p:cNvPicPr>
+            <a:picLocks noChangeAspect="1"/>
+          </p:cNvPicPr>
+          <p:nvPr>
+            <p:ph idx="1"/>
+          </p:nvPr>
+        </p:nvPicPr>
+        <p:blipFill>
+          <a:blip r:embed="rId1"/>
+          <a:stretch>
+            <a:fillRect/>
+          </a:stretch>
+        </p:blipFill>
+        <p:spPr>
+          <a:xfrm>
+            <a:off x="1035050" y="2263775"/>
+            <a:ext cx="10515600" cy="2811780"/>
+          </a:xfrm>
+          <a:prstGeom prst="rect">
+            <a:avLst/>
+          </a:prstGeom>
+        </p:spPr>
+      </p:pic>
     </p:spTree>
   </p:cSld>
   <p:clrMapOvr>
@@ -4015,24 +4303,6 @@
           </a:p>
         </p:txBody>
       </p:sp>
-      <p:sp>
-        <p:nvSpPr>
-          <p:cNvPr id="3" name="内容占位符 2"/>
-          <p:cNvSpPr>
-            <a:spLocks noGrp="1"/>
-          </p:cNvSpPr>
-          <p:nvPr>
-            <p:ph idx="1"/>
-          </p:nvPr>
-        </p:nvSpPr>
-        <p:spPr/>
-        <p:txBody>
-          <a:bodyPr/>
-          <a:p>
-            <a:endParaRPr lang="zh-CN" altLang="en-US"/>
-          </a:p>
-        </p:txBody>
-      </p:sp>
       <p:cxnSp>
         <p:nvCxnSpPr>
           <p:cNvPr id="4" name="直接连接符 3"/>
@@ -4069,6 +4339,56 @@
           </a:fontRef>
         </p:style>
       </p:cxnSp>
+      <p:pic>
+        <p:nvPicPr>
+          <p:cNvPr id="5" name="内容占位符 4"/>
+          <p:cNvPicPr>
+            <a:picLocks noChangeAspect="1"/>
+          </p:cNvPicPr>
+          <p:nvPr>
+            <p:ph idx="1"/>
+          </p:nvPr>
+        </p:nvPicPr>
+        <p:blipFill>
+          <a:blip r:embed="rId1"/>
+          <a:stretch>
+            <a:fillRect/>
+          </a:stretch>
+        </p:blipFill>
+        <p:spPr>
+          <a:xfrm>
+            <a:off x="922020" y="2134235"/>
+            <a:ext cx="5829300" cy="1828800"/>
+          </a:xfrm>
+          <a:prstGeom prst="rect">
+            <a:avLst/>
+          </a:prstGeom>
+        </p:spPr>
+      </p:pic>
+      <p:pic>
+        <p:nvPicPr>
+          <p:cNvPr id="6" name="图片 5"/>
+          <p:cNvPicPr>
+            <a:picLocks noChangeAspect="1"/>
+          </p:cNvPicPr>
+          <p:nvPr/>
+        </p:nvPicPr>
+        <p:blipFill>
+          <a:blip r:embed="rId2"/>
+          <a:stretch>
+            <a:fillRect/>
+          </a:stretch>
+        </p:blipFill>
+        <p:spPr>
+          <a:xfrm>
+            <a:off x="7133590" y="2248535"/>
+            <a:ext cx="3705225" cy="1600200"/>
+          </a:xfrm>
+          <a:prstGeom prst="rect">
+            <a:avLst/>
+          </a:prstGeom>
+        </p:spPr>
+      </p:pic>
     </p:spTree>
   </p:cSld>
   <p:clrMapOvr>
@@ -4119,24 +4439,6 @@
           </a:p>
         </p:txBody>
       </p:sp>
-      <p:sp>
-        <p:nvSpPr>
-          <p:cNvPr id="3" name="内容占位符 2"/>
-          <p:cNvSpPr>
-            <a:spLocks noGrp="1"/>
-          </p:cNvSpPr>
-          <p:nvPr>
-            <p:ph idx="1"/>
-          </p:nvPr>
-        </p:nvSpPr>
-        <p:spPr/>
-        <p:txBody>
-          <a:bodyPr/>
-          <a:p>
-            <a:endParaRPr lang="zh-CN" altLang="en-US"/>
-          </a:p>
-        </p:txBody>
-      </p:sp>
       <p:cxnSp>
         <p:nvCxnSpPr>
           <p:cNvPr id="4" name="直接连接符 3"/>
@@ -4173,6 +4475,553 @@
           </a:fontRef>
         </p:style>
       </p:cxnSp>
+      <p:pic>
+        <p:nvPicPr>
+          <p:cNvPr id="5" name="内容占位符 4"/>
+          <p:cNvPicPr>
+            <a:picLocks noChangeAspect="1"/>
+          </p:cNvPicPr>
+          <p:nvPr>
+            <p:ph idx="1"/>
+          </p:nvPr>
+        </p:nvPicPr>
+        <p:blipFill>
+          <a:blip r:embed="rId1"/>
+          <a:stretch>
+            <a:fillRect/>
+          </a:stretch>
+        </p:blipFill>
+        <p:spPr>
+          <a:xfrm>
+            <a:off x="819785" y="1535430"/>
+            <a:ext cx="5381625" cy="1104900"/>
+          </a:xfrm>
+          <a:prstGeom prst="rect">
+            <a:avLst/>
+          </a:prstGeom>
+        </p:spPr>
+      </p:pic>
+      <p:pic>
+        <p:nvPicPr>
+          <p:cNvPr id="6" name="图片 5"/>
+          <p:cNvPicPr>
+            <a:picLocks noChangeAspect="1"/>
+          </p:cNvPicPr>
+          <p:nvPr/>
+        </p:nvPicPr>
+        <p:blipFill>
+          <a:blip r:embed="rId2"/>
+          <a:stretch>
+            <a:fillRect/>
+          </a:stretch>
+        </p:blipFill>
+        <p:spPr>
+          <a:xfrm>
+            <a:off x="1993900" y="2515235"/>
+            <a:ext cx="10229850" cy="4305300"/>
+          </a:xfrm>
+          <a:prstGeom prst="rect">
+            <a:avLst/>
+          </a:prstGeom>
+        </p:spPr>
+      </p:pic>
+    </p:spTree>
+  </p:cSld>
+  <p:clrMapOvr>
+    <a:masterClrMapping/>
+  </p:clrMapOvr>
+</p:sld>
+</file>
+
+<file path=ppt/slides/slide16.xml><?xml version="1.0" encoding="utf-8"?>
+<p:sld xmlns:a="http://schemas.openxmlformats.org/drawingml/2006/main" xmlns:r="http://schemas.openxmlformats.org/officeDocument/2006/relationships" xmlns:p="http://schemas.openxmlformats.org/presentationml/2006/main">
+  <p:cSld>
+    <p:spTree>
+      <p:nvGrpSpPr>
+        <p:cNvPr id="1" name=""/>
+        <p:cNvGrpSpPr/>
+        <p:nvPr/>
+      </p:nvGrpSpPr>
+      <p:grpSpPr/>
+      <p:sp>
+        <p:nvSpPr>
+          <p:cNvPr id="2" name="标题 1"/>
+          <p:cNvSpPr>
+            <a:spLocks noGrp="1"/>
+          </p:cNvSpPr>
+          <p:nvPr>
+            <p:ph type="title"/>
+          </p:nvPr>
+        </p:nvSpPr>
+        <p:spPr/>
+        <p:txBody>
+          <a:bodyPr>
+            <a:normAutofit/>
+          </a:bodyPr>
+          <a:p>
+            <a:r>
+              <a:rPr lang="en-US" altLang="zh-CN">
+                <a:solidFill>
+                  <a:srgbClr val="FF0000"/>
+                </a:solidFill>
+              </a:rPr>
+              <a:t>Lie Groups</a:t>
+            </a:r>
+            <a:endParaRPr lang="en-US" altLang="zh-CN">
+              <a:solidFill>
+                <a:srgbClr val="FF0000"/>
+              </a:solidFill>
+            </a:endParaRPr>
+          </a:p>
+        </p:txBody>
+      </p:sp>
+      <p:cxnSp>
+        <p:nvCxnSpPr>
+          <p:cNvPr id="4" name="直接连接符 3"/>
+          <p:cNvCxnSpPr/>
+          <p:nvPr/>
+        </p:nvCxnSpPr>
+        <p:spPr>
+          <a:xfrm>
+            <a:off x="819785" y="1450340"/>
+            <a:ext cx="10552430" cy="20955"/>
+          </a:xfrm>
+          <a:prstGeom prst="line">
+            <a:avLst/>
+          </a:prstGeom>
+          <a:ln w="47625" cmpd="sng">
+            <a:solidFill>
+              <a:schemeClr val="accent1"/>
+            </a:solidFill>
+            <a:prstDash val="solid"/>
+          </a:ln>
+        </p:spPr>
+        <p:style>
+          <a:lnRef idx="1">
+            <a:schemeClr val="accent1"/>
+          </a:lnRef>
+          <a:fillRef idx="0">
+            <a:schemeClr val="accent1"/>
+          </a:fillRef>
+          <a:effectRef idx="0">
+            <a:schemeClr val="accent1"/>
+          </a:effectRef>
+          <a:fontRef idx="minor">
+            <a:schemeClr val="tx1"/>
+          </a:fontRef>
+        </p:style>
+      </p:cxnSp>
+      <p:pic>
+        <p:nvPicPr>
+          <p:cNvPr id="7" name="内容占位符 6"/>
+          <p:cNvPicPr>
+            <a:picLocks noChangeAspect="1"/>
+          </p:cNvPicPr>
+          <p:nvPr>
+            <p:ph idx="1"/>
+          </p:nvPr>
+        </p:nvPicPr>
+        <p:blipFill>
+          <a:blip r:embed="rId1"/>
+          <a:stretch>
+            <a:fillRect/>
+          </a:stretch>
+        </p:blipFill>
+        <p:spPr>
+          <a:xfrm>
+            <a:off x="2009140" y="1852295"/>
+            <a:ext cx="7658100" cy="3152775"/>
+          </a:xfrm>
+          <a:prstGeom prst="rect">
+            <a:avLst/>
+          </a:prstGeom>
+        </p:spPr>
+      </p:pic>
+    </p:spTree>
+  </p:cSld>
+  <p:clrMapOvr>
+    <a:masterClrMapping/>
+  </p:clrMapOvr>
+</p:sld>
+</file>
+
+<file path=ppt/slides/slide17.xml><?xml version="1.0" encoding="utf-8"?>
+<p:sld xmlns:a="http://schemas.openxmlformats.org/drawingml/2006/main" xmlns:r="http://schemas.openxmlformats.org/officeDocument/2006/relationships" xmlns:p="http://schemas.openxmlformats.org/presentationml/2006/main">
+  <p:cSld>
+    <p:spTree>
+      <p:nvGrpSpPr>
+        <p:cNvPr id="1" name=""/>
+        <p:cNvGrpSpPr/>
+        <p:nvPr/>
+      </p:nvGrpSpPr>
+      <p:grpSpPr/>
+      <p:sp>
+        <p:nvSpPr>
+          <p:cNvPr id="2" name="标题 1"/>
+          <p:cNvSpPr>
+            <a:spLocks noGrp="1"/>
+          </p:cNvSpPr>
+          <p:nvPr>
+            <p:ph type="title"/>
+          </p:nvPr>
+        </p:nvSpPr>
+        <p:spPr/>
+        <p:txBody>
+          <a:bodyPr>
+            <a:normAutofit/>
+          </a:bodyPr>
+          <a:p>
+            <a:r>
+              <a:rPr lang="en-US" altLang="zh-CN">
+                <a:solidFill>
+                  <a:srgbClr val="FF0000"/>
+                </a:solidFill>
+              </a:rPr>
+              <a:t>Lie Groups</a:t>
+            </a:r>
+            <a:endParaRPr lang="en-US" altLang="zh-CN">
+              <a:solidFill>
+                <a:srgbClr val="FF0000"/>
+              </a:solidFill>
+            </a:endParaRPr>
+          </a:p>
+        </p:txBody>
+      </p:sp>
+      <p:cxnSp>
+        <p:nvCxnSpPr>
+          <p:cNvPr id="4" name="直接连接符 3"/>
+          <p:cNvCxnSpPr/>
+          <p:nvPr/>
+        </p:nvCxnSpPr>
+        <p:spPr>
+          <a:xfrm>
+            <a:off x="819785" y="1450340"/>
+            <a:ext cx="10552430" cy="20955"/>
+          </a:xfrm>
+          <a:prstGeom prst="line">
+            <a:avLst/>
+          </a:prstGeom>
+          <a:ln w="47625" cmpd="sng">
+            <a:solidFill>
+              <a:schemeClr val="accent1"/>
+            </a:solidFill>
+            <a:prstDash val="solid"/>
+          </a:ln>
+        </p:spPr>
+        <p:style>
+          <a:lnRef idx="1">
+            <a:schemeClr val="accent1"/>
+          </a:lnRef>
+          <a:fillRef idx="0">
+            <a:schemeClr val="accent1"/>
+          </a:fillRef>
+          <a:effectRef idx="0">
+            <a:schemeClr val="accent1"/>
+          </a:effectRef>
+          <a:fontRef idx="minor">
+            <a:schemeClr val="tx1"/>
+          </a:fontRef>
+        </p:style>
+      </p:cxnSp>
+      <p:pic>
+        <p:nvPicPr>
+          <p:cNvPr id="8" name="内容占位符 7"/>
+          <p:cNvPicPr>
+            <a:picLocks noChangeAspect="1"/>
+          </p:cNvPicPr>
+          <p:nvPr>
+            <p:ph idx="1"/>
+          </p:nvPr>
+        </p:nvPicPr>
+        <p:blipFill>
+          <a:blip r:embed="rId1"/>
+          <a:stretch>
+            <a:fillRect/>
+          </a:stretch>
+        </p:blipFill>
+        <p:spPr>
+          <a:xfrm>
+            <a:off x="856615" y="2104390"/>
+            <a:ext cx="10515600" cy="3317240"/>
+          </a:xfrm>
+          <a:prstGeom prst="rect">
+            <a:avLst/>
+          </a:prstGeom>
+        </p:spPr>
+      </p:pic>
+    </p:spTree>
+  </p:cSld>
+  <p:clrMapOvr>
+    <a:masterClrMapping/>
+  </p:clrMapOvr>
+</p:sld>
+</file>
+
+<file path=ppt/slides/slide18.xml><?xml version="1.0" encoding="utf-8"?>
+<p:sld xmlns:a="http://schemas.openxmlformats.org/drawingml/2006/main" xmlns:r="http://schemas.openxmlformats.org/officeDocument/2006/relationships" xmlns:p="http://schemas.openxmlformats.org/presentationml/2006/main">
+  <p:cSld>
+    <p:spTree>
+      <p:nvGrpSpPr>
+        <p:cNvPr id="1" name=""/>
+        <p:cNvGrpSpPr/>
+        <p:nvPr/>
+      </p:nvGrpSpPr>
+      <p:grpSpPr/>
+      <p:sp>
+        <p:nvSpPr>
+          <p:cNvPr id="2" name="标题 1"/>
+          <p:cNvSpPr>
+            <a:spLocks noGrp="1"/>
+          </p:cNvSpPr>
+          <p:nvPr>
+            <p:ph type="title"/>
+          </p:nvPr>
+        </p:nvSpPr>
+        <p:spPr/>
+        <p:txBody>
+          <a:bodyPr>
+            <a:normAutofit/>
+          </a:bodyPr>
+          <a:p>
+            <a:r>
+              <a:rPr lang="en-US" altLang="zh-CN">
+                <a:solidFill>
+                  <a:srgbClr val="FF0000"/>
+                </a:solidFill>
+              </a:rPr>
+              <a:t>Lie Groups</a:t>
+            </a:r>
+            <a:endParaRPr lang="en-US" altLang="zh-CN">
+              <a:solidFill>
+                <a:srgbClr val="FF0000"/>
+              </a:solidFill>
+            </a:endParaRPr>
+          </a:p>
+        </p:txBody>
+      </p:sp>
+      <p:cxnSp>
+        <p:nvCxnSpPr>
+          <p:cNvPr id="4" name="直接连接符 3"/>
+          <p:cNvCxnSpPr/>
+          <p:nvPr/>
+        </p:nvCxnSpPr>
+        <p:spPr>
+          <a:xfrm>
+            <a:off x="819785" y="1450340"/>
+            <a:ext cx="10552430" cy="20955"/>
+          </a:xfrm>
+          <a:prstGeom prst="line">
+            <a:avLst/>
+          </a:prstGeom>
+          <a:ln w="47625" cmpd="sng">
+            <a:solidFill>
+              <a:schemeClr val="accent1"/>
+            </a:solidFill>
+            <a:prstDash val="solid"/>
+          </a:ln>
+        </p:spPr>
+        <p:style>
+          <a:lnRef idx="1">
+            <a:schemeClr val="accent1"/>
+          </a:lnRef>
+          <a:fillRef idx="0">
+            <a:schemeClr val="accent1"/>
+          </a:fillRef>
+          <a:effectRef idx="0">
+            <a:schemeClr val="accent1"/>
+          </a:effectRef>
+          <a:fontRef idx="minor">
+            <a:schemeClr val="tx1"/>
+          </a:fontRef>
+        </p:style>
+      </p:cxnSp>
+      <p:pic>
+        <p:nvPicPr>
+          <p:cNvPr id="5" name="内容占位符 4"/>
+          <p:cNvPicPr>
+            <a:picLocks noChangeAspect="1"/>
+          </p:cNvPicPr>
+          <p:nvPr>
+            <p:ph idx="1"/>
+          </p:nvPr>
+        </p:nvPicPr>
+        <p:blipFill>
+          <a:blip r:embed="rId1"/>
+          <a:stretch>
+            <a:fillRect/>
+          </a:stretch>
+        </p:blipFill>
+        <p:spPr>
+          <a:xfrm>
+            <a:off x="1954530" y="1482725"/>
+            <a:ext cx="8520430" cy="5323840"/>
+          </a:xfrm>
+          <a:prstGeom prst="rect">
+            <a:avLst/>
+          </a:prstGeom>
+        </p:spPr>
+      </p:pic>
+    </p:spTree>
+  </p:cSld>
+  <p:clrMapOvr>
+    <a:masterClrMapping/>
+  </p:clrMapOvr>
+</p:sld>
+</file>
+
+<file path=ppt/slides/slide19.xml><?xml version="1.0" encoding="utf-8"?>
+<p:sld xmlns:a="http://schemas.openxmlformats.org/drawingml/2006/main" xmlns:r="http://schemas.openxmlformats.org/officeDocument/2006/relationships" xmlns:p="http://schemas.openxmlformats.org/presentationml/2006/main">
+  <p:cSld>
+    <p:spTree>
+      <p:nvGrpSpPr>
+        <p:cNvPr id="1" name=""/>
+        <p:cNvGrpSpPr/>
+        <p:nvPr/>
+      </p:nvGrpSpPr>
+      <p:grpSpPr/>
+      <p:sp>
+        <p:nvSpPr>
+          <p:cNvPr id="2" name="标题 1"/>
+          <p:cNvSpPr>
+            <a:spLocks noGrp="1"/>
+          </p:cNvSpPr>
+          <p:nvPr>
+            <p:ph type="title"/>
+          </p:nvPr>
+        </p:nvSpPr>
+        <p:spPr/>
+        <p:txBody>
+          <a:bodyPr>
+            <a:normAutofit/>
+          </a:bodyPr>
+          <a:p>
+            <a:r>
+              <a:rPr lang="en-US" altLang="zh-CN">
+                <a:solidFill>
+                  <a:srgbClr val="FF0000"/>
+                </a:solidFill>
+              </a:rPr>
+              <a:t>Lie Groups</a:t>
+            </a:r>
+            <a:endParaRPr lang="en-US" altLang="zh-CN">
+              <a:solidFill>
+                <a:srgbClr val="FF0000"/>
+              </a:solidFill>
+            </a:endParaRPr>
+          </a:p>
+        </p:txBody>
+      </p:sp>
+      <p:cxnSp>
+        <p:nvCxnSpPr>
+          <p:cNvPr id="4" name="直接连接符 3"/>
+          <p:cNvCxnSpPr/>
+          <p:nvPr/>
+        </p:nvCxnSpPr>
+        <p:spPr>
+          <a:xfrm>
+            <a:off x="819785" y="1450340"/>
+            <a:ext cx="10552430" cy="20955"/>
+          </a:xfrm>
+          <a:prstGeom prst="line">
+            <a:avLst/>
+          </a:prstGeom>
+          <a:ln w="47625" cmpd="sng">
+            <a:solidFill>
+              <a:schemeClr val="accent1"/>
+            </a:solidFill>
+            <a:prstDash val="solid"/>
+          </a:ln>
+        </p:spPr>
+        <p:style>
+          <a:lnRef idx="1">
+            <a:schemeClr val="accent1"/>
+          </a:lnRef>
+          <a:fillRef idx="0">
+            <a:schemeClr val="accent1"/>
+          </a:fillRef>
+          <a:effectRef idx="0">
+            <a:schemeClr val="accent1"/>
+          </a:effectRef>
+          <a:fontRef idx="minor">
+            <a:schemeClr val="tx1"/>
+          </a:fontRef>
+        </p:style>
+      </p:cxnSp>
+      <p:sp>
+        <p:nvSpPr>
+          <p:cNvPr id="3" name="内容占位符 2"/>
+          <p:cNvSpPr/>
+          <p:nvPr>
+            <p:ph idx="1"/>
+          </p:nvPr>
+        </p:nvSpPr>
+        <p:spPr/>
+        <p:txBody>
+          <a:bodyPr/>
+          <a:p>
+            <a:pPr marL="0" indent="0">
+              <a:buNone/>
+            </a:pPr>
+            <a:r>
+              <a:rPr lang="en-US" altLang="zh-CN"/>
+              <a:t>BCH</a:t>
+            </a:r>
+            <a:r>
+              <a:rPr lang="zh-CN" altLang="en-US"/>
+              <a:t>公式：</a:t>
+            </a:r>
+            <a:endParaRPr lang="zh-CN" altLang="en-US"/>
+          </a:p>
+        </p:txBody>
+      </p:sp>
+      <p:pic>
+        <p:nvPicPr>
+          <p:cNvPr id="6" name="图片 5"/>
+          <p:cNvPicPr>
+            <a:picLocks noChangeAspect="1"/>
+          </p:cNvPicPr>
+          <p:nvPr/>
+        </p:nvPicPr>
+        <p:blipFill>
+          <a:blip r:embed="rId1"/>
+          <a:stretch>
+            <a:fillRect/>
+          </a:stretch>
+        </p:blipFill>
+        <p:spPr>
+          <a:xfrm>
+            <a:off x="1609090" y="2350770"/>
+            <a:ext cx="9201150" cy="933450"/>
+          </a:xfrm>
+          <a:prstGeom prst="rect">
+            <a:avLst/>
+          </a:prstGeom>
+        </p:spPr>
+      </p:pic>
+      <p:pic>
+        <p:nvPicPr>
+          <p:cNvPr id="7" name="图片 6"/>
+          <p:cNvPicPr>
+            <a:picLocks noChangeAspect="1"/>
+          </p:cNvPicPr>
+          <p:nvPr/>
+        </p:nvPicPr>
+        <p:blipFill>
+          <a:blip r:embed="rId2"/>
+          <a:stretch>
+            <a:fillRect/>
+          </a:stretch>
+        </p:blipFill>
+        <p:spPr>
+          <a:xfrm>
+            <a:off x="2465705" y="3752215"/>
+            <a:ext cx="6991350" cy="1343025"/>
+          </a:xfrm>
+          <a:prstGeom prst="rect">
+            <a:avLst/>
+          </a:prstGeom>
+        </p:spPr>
+      </p:pic>
     </p:spTree>
   </p:cSld>
   <p:clrMapOvr>
@@ -4306,6 +5155,598 @@
           <a:xfrm>
             <a:off x="1725295" y="2152650"/>
             <a:ext cx="8181975" cy="4391025"/>
+          </a:xfrm>
+          <a:prstGeom prst="rect">
+            <a:avLst/>
+          </a:prstGeom>
+        </p:spPr>
+      </p:pic>
+    </p:spTree>
+  </p:cSld>
+  <p:clrMapOvr>
+    <a:masterClrMapping/>
+  </p:clrMapOvr>
+</p:sld>
+</file>
+
+<file path=ppt/slides/slide20.xml><?xml version="1.0" encoding="utf-8"?>
+<p:sld xmlns:a="http://schemas.openxmlformats.org/drawingml/2006/main" xmlns:r="http://schemas.openxmlformats.org/officeDocument/2006/relationships" xmlns:p="http://schemas.openxmlformats.org/presentationml/2006/main">
+  <p:cSld>
+    <p:spTree>
+      <p:nvGrpSpPr>
+        <p:cNvPr id="1" name=""/>
+        <p:cNvGrpSpPr/>
+        <p:nvPr/>
+      </p:nvGrpSpPr>
+      <p:grpSpPr/>
+      <p:sp>
+        <p:nvSpPr>
+          <p:cNvPr id="2" name="标题 1"/>
+          <p:cNvSpPr>
+            <a:spLocks noGrp="1"/>
+          </p:cNvSpPr>
+          <p:nvPr>
+            <p:ph type="title"/>
+          </p:nvPr>
+        </p:nvSpPr>
+        <p:spPr/>
+        <p:txBody>
+          <a:bodyPr>
+            <a:normAutofit/>
+          </a:bodyPr>
+          <a:p>
+            <a:r>
+              <a:rPr lang="en-US" altLang="zh-CN">
+                <a:solidFill>
+                  <a:srgbClr val="FF0000"/>
+                </a:solidFill>
+              </a:rPr>
+              <a:t>Lie Groups</a:t>
+            </a:r>
+            <a:endParaRPr lang="en-US" altLang="zh-CN">
+              <a:solidFill>
+                <a:srgbClr val="FF0000"/>
+              </a:solidFill>
+            </a:endParaRPr>
+          </a:p>
+        </p:txBody>
+      </p:sp>
+      <p:cxnSp>
+        <p:nvCxnSpPr>
+          <p:cNvPr id="4" name="直接连接符 3"/>
+          <p:cNvCxnSpPr/>
+          <p:nvPr/>
+        </p:nvCxnSpPr>
+        <p:spPr>
+          <a:xfrm>
+            <a:off x="819785" y="1450340"/>
+            <a:ext cx="10552430" cy="20955"/>
+          </a:xfrm>
+          <a:prstGeom prst="line">
+            <a:avLst/>
+          </a:prstGeom>
+          <a:ln w="47625" cmpd="sng">
+            <a:solidFill>
+              <a:schemeClr val="accent1"/>
+            </a:solidFill>
+            <a:prstDash val="solid"/>
+          </a:ln>
+        </p:spPr>
+        <p:style>
+          <a:lnRef idx="1">
+            <a:schemeClr val="accent1"/>
+          </a:lnRef>
+          <a:fillRef idx="0">
+            <a:schemeClr val="accent1"/>
+          </a:fillRef>
+          <a:effectRef idx="0">
+            <a:schemeClr val="accent1"/>
+          </a:effectRef>
+          <a:fontRef idx="minor">
+            <a:schemeClr val="tx1"/>
+          </a:fontRef>
+        </p:style>
+      </p:cxnSp>
+      <p:pic>
+        <p:nvPicPr>
+          <p:cNvPr id="8" name="内容占位符 7"/>
+          <p:cNvPicPr>
+            <a:picLocks noChangeAspect="1"/>
+          </p:cNvPicPr>
+          <p:nvPr>
+            <p:ph idx="1"/>
+          </p:nvPr>
+        </p:nvPicPr>
+        <p:blipFill>
+          <a:blip r:embed="rId1"/>
+          <a:stretch>
+            <a:fillRect/>
+          </a:stretch>
+        </p:blipFill>
+        <p:spPr>
+          <a:xfrm>
+            <a:off x="7964170" y="2015490"/>
+            <a:ext cx="1752600" cy="781050"/>
+          </a:xfrm>
+          <a:prstGeom prst="rect">
+            <a:avLst/>
+          </a:prstGeom>
+        </p:spPr>
+      </p:pic>
+      <p:pic>
+        <p:nvPicPr>
+          <p:cNvPr id="9" name="图片 8"/>
+          <p:cNvPicPr>
+            <a:picLocks noChangeAspect="1"/>
+          </p:cNvPicPr>
+          <p:nvPr/>
+        </p:nvPicPr>
+        <p:blipFill>
+          <a:blip r:embed="rId2"/>
+          <a:stretch>
+            <a:fillRect/>
+          </a:stretch>
+        </p:blipFill>
+        <p:spPr>
+          <a:xfrm>
+            <a:off x="8049895" y="2796540"/>
+            <a:ext cx="1666875" cy="571500"/>
+          </a:xfrm>
+          <a:prstGeom prst="rect">
+            <a:avLst/>
+          </a:prstGeom>
+        </p:spPr>
+      </p:pic>
+      <p:pic>
+        <p:nvPicPr>
+          <p:cNvPr id="10" name="图片 9"/>
+          <p:cNvPicPr>
+            <a:picLocks noChangeAspect="1"/>
+          </p:cNvPicPr>
+          <p:nvPr/>
+        </p:nvPicPr>
+        <p:blipFill>
+          <a:blip r:embed="rId3"/>
+          <a:stretch>
+            <a:fillRect/>
+          </a:stretch>
+        </p:blipFill>
+        <p:spPr>
+          <a:xfrm>
+            <a:off x="7192645" y="3944620"/>
+            <a:ext cx="3381375" cy="1019175"/>
+          </a:xfrm>
+          <a:prstGeom prst="rect">
+            <a:avLst/>
+          </a:prstGeom>
+        </p:spPr>
+      </p:pic>
+      <p:pic>
+        <p:nvPicPr>
+          <p:cNvPr id="11" name="图片 10"/>
+          <p:cNvPicPr>
+            <a:picLocks noChangeAspect="1"/>
+          </p:cNvPicPr>
+          <p:nvPr/>
+        </p:nvPicPr>
+        <p:blipFill>
+          <a:blip r:embed="rId4"/>
+          <a:stretch>
+            <a:fillRect/>
+          </a:stretch>
+        </p:blipFill>
+        <p:spPr>
+          <a:xfrm>
+            <a:off x="1024890" y="1804670"/>
+            <a:ext cx="5721350" cy="3609340"/>
+          </a:xfrm>
+          <a:prstGeom prst="rect">
+            <a:avLst/>
+          </a:prstGeom>
+        </p:spPr>
+      </p:pic>
+      <p:sp>
+        <p:nvSpPr>
+          <p:cNvPr id="12" name="下箭头 11"/>
+          <p:cNvSpPr/>
+          <p:nvPr/>
+        </p:nvSpPr>
+        <p:spPr>
+          <a:xfrm>
+            <a:off x="8597265" y="3368040"/>
+            <a:ext cx="331470" cy="715010"/>
+          </a:xfrm>
+          <a:prstGeom prst="downArrow">
+            <a:avLst/>
+          </a:prstGeom>
+          <a:noFill/>
+          <a:ln w="41275" cmpd="sng">
+            <a:solidFill>
+              <a:schemeClr val="accent6">
+                <a:lumMod val="75000"/>
+              </a:schemeClr>
+            </a:solidFill>
+            <a:prstDash val="solid"/>
+          </a:ln>
+        </p:spPr>
+        <p:style>
+          <a:lnRef idx="2">
+            <a:schemeClr val="accent1">
+              <a:shade val="50000"/>
+            </a:schemeClr>
+          </a:lnRef>
+          <a:fillRef idx="1">
+            <a:schemeClr val="accent1"/>
+          </a:fillRef>
+          <a:effectRef idx="0">
+            <a:schemeClr val="accent1"/>
+          </a:effectRef>
+          <a:fontRef idx="minor">
+            <a:schemeClr val="lt1"/>
+          </a:fontRef>
+        </p:style>
+        <p:txBody>
+          <a:bodyPr rtlCol="0" anchor="ctr"/>
+          <a:p>
+            <a:pPr algn="ctr"/>
+            <a:endParaRPr lang="zh-CN" altLang="en-US"/>
+          </a:p>
+        </p:txBody>
+      </p:sp>
+    </p:spTree>
+  </p:cSld>
+  <p:clrMapOvr>
+    <a:masterClrMapping/>
+  </p:clrMapOvr>
+</p:sld>
+</file>
+
+<file path=ppt/slides/slide21.xml><?xml version="1.0" encoding="utf-8"?>
+<p:sld xmlns:a="http://schemas.openxmlformats.org/drawingml/2006/main" xmlns:r="http://schemas.openxmlformats.org/officeDocument/2006/relationships" xmlns:p="http://schemas.openxmlformats.org/presentationml/2006/main">
+  <p:cSld>
+    <p:spTree>
+      <p:nvGrpSpPr>
+        <p:cNvPr id="1" name=""/>
+        <p:cNvGrpSpPr/>
+        <p:nvPr/>
+      </p:nvGrpSpPr>
+      <p:grpSpPr/>
+      <p:sp>
+        <p:nvSpPr>
+          <p:cNvPr id="2" name="标题 1"/>
+          <p:cNvSpPr>
+            <a:spLocks noGrp="1"/>
+          </p:cNvSpPr>
+          <p:nvPr>
+            <p:ph type="title"/>
+          </p:nvPr>
+        </p:nvSpPr>
+        <p:spPr/>
+        <p:txBody>
+          <a:bodyPr>
+            <a:normAutofit/>
+          </a:bodyPr>
+          <a:p>
+            <a:r>
+              <a:rPr lang="en-US" altLang="zh-CN">
+                <a:solidFill>
+                  <a:srgbClr val="FF0000"/>
+                </a:solidFill>
+              </a:rPr>
+              <a:t>Lie Groups</a:t>
+            </a:r>
+            <a:endParaRPr lang="en-US" altLang="zh-CN">
+              <a:solidFill>
+                <a:srgbClr val="FF0000"/>
+              </a:solidFill>
+            </a:endParaRPr>
+          </a:p>
+        </p:txBody>
+      </p:sp>
+      <p:cxnSp>
+        <p:nvCxnSpPr>
+          <p:cNvPr id="4" name="直接连接符 3"/>
+          <p:cNvCxnSpPr/>
+          <p:nvPr/>
+        </p:nvCxnSpPr>
+        <p:spPr>
+          <a:xfrm>
+            <a:off x="819785" y="1450340"/>
+            <a:ext cx="10552430" cy="20955"/>
+          </a:xfrm>
+          <a:prstGeom prst="line">
+            <a:avLst/>
+          </a:prstGeom>
+          <a:ln w="47625" cmpd="sng">
+            <a:solidFill>
+              <a:schemeClr val="accent1"/>
+            </a:solidFill>
+            <a:prstDash val="solid"/>
+          </a:ln>
+        </p:spPr>
+        <p:style>
+          <a:lnRef idx="1">
+            <a:schemeClr val="accent1"/>
+          </a:lnRef>
+          <a:fillRef idx="0">
+            <a:schemeClr val="accent1"/>
+          </a:fillRef>
+          <a:effectRef idx="0">
+            <a:schemeClr val="accent1"/>
+          </a:effectRef>
+          <a:fontRef idx="minor">
+            <a:schemeClr val="tx1"/>
+          </a:fontRef>
+        </p:style>
+      </p:cxnSp>
+      <p:pic>
+        <p:nvPicPr>
+          <p:cNvPr id="8" name="内容占位符 7"/>
+          <p:cNvPicPr>
+            <a:picLocks noChangeAspect="1"/>
+          </p:cNvPicPr>
+          <p:nvPr>
+            <p:ph idx="1"/>
+          </p:nvPr>
+        </p:nvPicPr>
+        <p:blipFill>
+          <a:blip r:embed="rId1"/>
+          <a:stretch>
+            <a:fillRect/>
+          </a:stretch>
+        </p:blipFill>
+        <p:spPr>
+          <a:xfrm>
+            <a:off x="1395730" y="1790065"/>
+            <a:ext cx="9399905" cy="4485005"/>
+          </a:xfrm>
+          <a:prstGeom prst="rect">
+            <a:avLst/>
+          </a:prstGeom>
+        </p:spPr>
+      </p:pic>
+    </p:spTree>
+  </p:cSld>
+  <p:clrMapOvr>
+    <a:masterClrMapping/>
+  </p:clrMapOvr>
+</p:sld>
+</file>
+
+<file path=ppt/slides/slide22.xml><?xml version="1.0" encoding="utf-8"?>
+<p:sld xmlns:a="http://schemas.openxmlformats.org/drawingml/2006/main" xmlns:r="http://schemas.openxmlformats.org/officeDocument/2006/relationships" xmlns:p="http://schemas.openxmlformats.org/presentationml/2006/main">
+  <p:cSld>
+    <p:spTree>
+      <p:nvGrpSpPr>
+        <p:cNvPr id="1" name=""/>
+        <p:cNvGrpSpPr/>
+        <p:nvPr/>
+      </p:nvGrpSpPr>
+      <p:grpSpPr/>
+      <p:sp>
+        <p:nvSpPr>
+          <p:cNvPr id="2" name="标题 1"/>
+          <p:cNvSpPr>
+            <a:spLocks noGrp="1"/>
+          </p:cNvSpPr>
+          <p:nvPr>
+            <p:ph type="title"/>
+          </p:nvPr>
+        </p:nvSpPr>
+        <p:spPr/>
+        <p:txBody>
+          <a:bodyPr>
+            <a:normAutofit/>
+          </a:bodyPr>
+          <a:p>
+            <a:r>
+              <a:rPr lang="en-US" altLang="zh-CN">
+                <a:solidFill>
+                  <a:srgbClr val="FF0000"/>
+                </a:solidFill>
+              </a:rPr>
+              <a:t>Lie Groups</a:t>
+            </a:r>
+            <a:endParaRPr lang="en-US" altLang="zh-CN">
+              <a:solidFill>
+                <a:srgbClr val="FF0000"/>
+              </a:solidFill>
+            </a:endParaRPr>
+          </a:p>
+        </p:txBody>
+      </p:sp>
+      <p:cxnSp>
+        <p:nvCxnSpPr>
+          <p:cNvPr id="4" name="直接连接符 3"/>
+          <p:cNvCxnSpPr/>
+          <p:nvPr/>
+        </p:nvCxnSpPr>
+        <p:spPr>
+          <a:xfrm>
+            <a:off x="819785" y="1450340"/>
+            <a:ext cx="10552430" cy="20955"/>
+          </a:xfrm>
+          <a:prstGeom prst="line">
+            <a:avLst/>
+          </a:prstGeom>
+          <a:ln w="47625" cmpd="sng">
+            <a:solidFill>
+              <a:schemeClr val="accent1"/>
+            </a:solidFill>
+            <a:prstDash val="solid"/>
+          </a:ln>
+        </p:spPr>
+        <p:style>
+          <a:lnRef idx="1">
+            <a:schemeClr val="accent1"/>
+          </a:lnRef>
+          <a:fillRef idx="0">
+            <a:schemeClr val="accent1"/>
+          </a:fillRef>
+          <a:effectRef idx="0">
+            <a:schemeClr val="accent1"/>
+          </a:effectRef>
+          <a:fontRef idx="minor">
+            <a:schemeClr val="tx1"/>
+          </a:fontRef>
+        </p:style>
+      </p:cxnSp>
+      <p:pic>
+        <p:nvPicPr>
+          <p:cNvPr id="5" name="内容占位符 4"/>
+          <p:cNvPicPr>
+            <a:picLocks noChangeAspect="1"/>
+          </p:cNvPicPr>
+          <p:nvPr>
+            <p:ph idx="1"/>
+          </p:nvPr>
+        </p:nvPicPr>
+        <p:blipFill>
+          <a:blip r:embed="rId1"/>
+          <a:stretch>
+            <a:fillRect/>
+          </a:stretch>
+        </p:blipFill>
+        <p:spPr>
+          <a:xfrm>
+            <a:off x="1735455" y="2026920"/>
+            <a:ext cx="8720455" cy="3265170"/>
+          </a:xfrm>
+          <a:prstGeom prst="rect">
+            <a:avLst/>
+          </a:prstGeom>
+        </p:spPr>
+      </p:pic>
+    </p:spTree>
+  </p:cSld>
+  <p:clrMapOvr>
+    <a:masterClrMapping/>
+  </p:clrMapOvr>
+</p:sld>
+</file>
+
+<file path=ppt/slides/slide23.xml><?xml version="1.0" encoding="utf-8"?>
+<p:sld xmlns:a="http://schemas.openxmlformats.org/drawingml/2006/main" xmlns:r="http://schemas.openxmlformats.org/officeDocument/2006/relationships" xmlns:p="http://schemas.openxmlformats.org/presentationml/2006/main">
+  <p:cSld>
+    <p:spTree>
+      <p:nvGrpSpPr>
+        <p:cNvPr id="1" name=""/>
+        <p:cNvGrpSpPr/>
+        <p:nvPr/>
+      </p:nvGrpSpPr>
+      <p:grpSpPr/>
+      <p:sp>
+        <p:nvSpPr>
+          <p:cNvPr id="2" name="标题 1"/>
+          <p:cNvSpPr>
+            <a:spLocks noGrp="1"/>
+          </p:cNvSpPr>
+          <p:nvPr>
+            <p:ph type="title"/>
+          </p:nvPr>
+        </p:nvSpPr>
+        <p:spPr/>
+        <p:txBody>
+          <a:bodyPr>
+            <a:normAutofit/>
+          </a:bodyPr>
+          <a:p>
+            <a:r>
+              <a:rPr lang="en-US" altLang="zh-CN">
+                <a:solidFill>
+                  <a:srgbClr val="FF0000"/>
+                </a:solidFill>
+              </a:rPr>
+              <a:t>Lie Groups</a:t>
+            </a:r>
+            <a:endParaRPr lang="en-US" altLang="zh-CN">
+              <a:solidFill>
+                <a:srgbClr val="FF0000"/>
+              </a:solidFill>
+            </a:endParaRPr>
+          </a:p>
+        </p:txBody>
+      </p:sp>
+      <p:cxnSp>
+        <p:nvCxnSpPr>
+          <p:cNvPr id="4" name="直接连接符 3"/>
+          <p:cNvCxnSpPr/>
+          <p:nvPr/>
+        </p:nvCxnSpPr>
+        <p:spPr>
+          <a:xfrm>
+            <a:off x="819785" y="1450340"/>
+            <a:ext cx="10552430" cy="20955"/>
+          </a:xfrm>
+          <a:prstGeom prst="line">
+            <a:avLst/>
+          </a:prstGeom>
+          <a:ln w="47625" cmpd="sng">
+            <a:solidFill>
+              <a:schemeClr val="accent1"/>
+            </a:solidFill>
+            <a:prstDash val="solid"/>
+          </a:ln>
+        </p:spPr>
+        <p:style>
+          <a:lnRef idx="1">
+            <a:schemeClr val="accent1"/>
+          </a:lnRef>
+          <a:fillRef idx="0">
+            <a:schemeClr val="accent1"/>
+          </a:fillRef>
+          <a:effectRef idx="0">
+            <a:schemeClr val="accent1"/>
+          </a:effectRef>
+          <a:fontRef idx="minor">
+            <a:schemeClr val="tx1"/>
+          </a:fontRef>
+        </p:style>
+      </p:cxnSp>
+      <p:pic>
+        <p:nvPicPr>
+          <p:cNvPr id="6" name="内容占位符 5"/>
+          <p:cNvPicPr>
+            <a:picLocks noChangeAspect="1"/>
+          </p:cNvPicPr>
+          <p:nvPr>
+            <p:ph idx="1"/>
+          </p:nvPr>
+        </p:nvPicPr>
+        <p:blipFill>
+          <a:blip r:embed="rId1"/>
+          <a:stretch>
+            <a:fillRect/>
+          </a:stretch>
+        </p:blipFill>
+        <p:spPr>
+          <a:xfrm>
+            <a:off x="2371725" y="2489835"/>
+            <a:ext cx="7448550" cy="4181475"/>
+          </a:xfrm>
+          <a:prstGeom prst="rect">
+            <a:avLst/>
+          </a:prstGeom>
+        </p:spPr>
+      </p:pic>
+      <p:pic>
+        <p:nvPicPr>
+          <p:cNvPr id="7" name="图片 6"/>
+          <p:cNvPicPr>
+            <a:picLocks noChangeAspect="1"/>
+          </p:cNvPicPr>
+          <p:nvPr/>
+        </p:nvPicPr>
+        <p:blipFill>
+          <a:blip r:embed="rId2"/>
+          <a:stretch>
+            <a:fillRect/>
+          </a:stretch>
+        </p:blipFill>
+        <p:spPr>
+          <a:xfrm>
+            <a:off x="1945640" y="1691005"/>
+            <a:ext cx="5629275" cy="876300"/>
           </a:xfrm>
           <a:prstGeom prst="rect">
             <a:avLst/>

--- a/docs/pptx/LieGroups.pptx
+++ b/docs/pptx/LieGroups.pptx
@@ -31,6 +31,7 @@
     <p:sldId id="286" r:id="rId24"/>
     <p:sldId id="287" r:id="rId25"/>
     <p:sldId id="288" r:id="rId26"/>
+    <p:sldId id="289" r:id="rId27"/>
   </p:sldIdLst>
   <p:sldSz cx="12192000" cy="6858000"/>
   <p:notesSz cx="6858000" cy="9144000"/>
@@ -5753,6 +5754,24 @@
           </a:prstGeom>
         </p:spPr>
       </p:pic>
+    </p:spTree>
+  </p:cSld>
+  <p:clrMapOvr>
+    <a:masterClrMapping/>
+  </p:clrMapOvr>
+</p:sld>
+</file>
+
+<file path=ppt/slides/slide24.xml><?xml version="1.0" encoding="utf-8"?>
+<p:sld xmlns:a="http://schemas.openxmlformats.org/drawingml/2006/main" xmlns:r="http://schemas.openxmlformats.org/officeDocument/2006/relationships" xmlns:p="http://schemas.openxmlformats.org/presentationml/2006/main">
+  <p:cSld>
+    <p:spTree>
+      <p:nvGrpSpPr>
+        <p:cNvPr id="1" name=""/>
+        <p:cNvGrpSpPr/>
+        <p:nvPr/>
+      </p:nvGrpSpPr>
+      <p:grpSpPr/>
     </p:spTree>
   </p:cSld>
   <p:clrMapOvr>
